--- a/1c. Working with Azure/AccessAzureOverview.pptx
+++ b/1c. Working with Azure/AccessAzureOverview.pptx
@@ -6,6 +6,7 @@
   </p:sldMasterIdLst>
   <p:sldIdLst>
     <p:sldId id="256" r:id="rId2"/>
+    <p:sldId id="257" r:id="rId3"/>
   </p:sldIdLst>
   <p:sldSz cx="12192000" cy="16256000"/>
   <p:notesSz cx="6797675" cy="9926638"/>
@@ -5314,10 +5315,848 @@
           </a:prstGeom>
         </p:spPr>
       </p:pic>
+      <p:cxnSp>
+        <p:nvCxnSpPr>
+          <p:cNvPr id="38" name="Gerader Verbinder 37">
+            <a:extLst>
+              <a:ext uri="{FF2B5EF4-FFF2-40B4-BE49-F238E27FC236}">
+                <a16:creationId xmlns:a16="http://schemas.microsoft.com/office/drawing/2014/main" id="{2A11DCF1-12B6-49DF-9D39-733B56515BEB}"/>
+              </a:ext>
+            </a:extLst>
+          </p:cNvPr>
+          <p:cNvCxnSpPr>
+            <a:cxnSpLocks/>
+            <a:stCxn id="2" idx="0"/>
+            <a:endCxn id="6" idx="2"/>
+          </p:cNvCxnSpPr>
+          <p:nvPr/>
+        </p:nvCxnSpPr>
+        <p:spPr>
+          <a:xfrm flipV="1">
+            <a:off x="4954404" y="6361812"/>
+            <a:ext cx="16997" cy="420397"/>
+          </a:xfrm>
+          <a:prstGeom prst="line">
+            <a:avLst/>
+          </a:prstGeom>
+        </p:spPr>
+        <p:style>
+          <a:lnRef idx="1">
+            <a:schemeClr val="accent1"/>
+          </a:lnRef>
+          <a:fillRef idx="0">
+            <a:schemeClr val="accent1"/>
+          </a:fillRef>
+          <a:effectRef idx="0">
+            <a:schemeClr val="accent1"/>
+          </a:effectRef>
+          <a:fontRef idx="minor">
+            <a:schemeClr val="tx1"/>
+          </a:fontRef>
+        </p:style>
+      </p:cxnSp>
+      <p:sp>
+        <p:nvSpPr>
+          <p:cNvPr id="44" name="Textfeld 43">
+            <a:extLst>
+              <a:ext uri="{FF2B5EF4-FFF2-40B4-BE49-F238E27FC236}">
+                <a16:creationId xmlns:a16="http://schemas.microsoft.com/office/drawing/2014/main" id="{6511C4ED-91C7-4FB0-83A9-4D727EF08D64}"/>
+              </a:ext>
+            </a:extLst>
+          </p:cNvPr>
+          <p:cNvSpPr txBox="1"/>
+          <p:nvPr/>
+        </p:nvSpPr>
+        <p:spPr>
+          <a:xfrm>
+            <a:off x="5014452" y="6407843"/>
+            <a:ext cx="2012126" cy="338554"/>
+          </a:xfrm>
+          <a:prstGeom prst="rect">
+            <a:avLst/>
+          </a:prstGeom>
+          <a:noFill/>
+        </p:spPr>
+        <p:txBody>
+          <a:bodyPr wrap="square" rtlCol="0">
+            <a:spAutoFit/>
+          </a:bodyPr>
+          <a:lstStyle/>
+          <a:p>
+            <a:r>
+              <a:rPr lang="de-DE" sz="800" b="1" dirty="0"/>
+              <a:t>User</a:t>
+            </a:r>
+            <a:r>
+              <a:rPr lang="de-DE" sz="800" dirty="0"/>
+              <a:t>: </a:t>
+            </a:r>
+            <a:r>
+              <a:rPr lang="de-DE" sz="800" dirty="0" err="1"/>
+              <a:t>FactoryService</a:t>
+            </a:r>
+            <a:endParaRPr lang="de-DE" sz="800" dirty="0"/>
+          </a:p>
+          <a:p>
+            <a:r>
+              <a:rPr lang="de-DE" sz="800" b="1" dirty="0" err="1"/>
+              <a:t>TransactUsername</a:t>
+            </a:r>
+            <a:r>
+              <a:rPr lang="de-DE" sz="800" dirty="0"/>
+              <a:t>: AD B2C Username </a:t>
+            </a:r>
+          </a:p>
+        </p:txBody>
+      </p:sp>
     </p:spTree>
     <p:extLst>
       <p:ext uri="{BB962C8B-B14F-4D97-AF65-F5344CB8AC3E}">
         <p14:creationId xmlns:p14="http://schemas.microsoft.com/office/powerpoint/2010/main" val="439614779"/>
+      </p:ext>
+    </p:extLst>
+  </p:cSld>
+  <p:clrMapOvr>
+    <a:masterClrMapping/>
+  </p:clrMapOvr>
+</p:sld>
+</file>
+
+<file path=ppt/slides/slide2.xml><?xml version="1.0" encoding="utf-8"?>
+<p:sld xmlns:a="http://schemas.openxmlformats.org/drawingml/2006/main" xmlns:r="http://schemas.openxmlformats.org/officeDocument/2006/relationships" xmlns:p="http://schemas.openxmlformats.org/presentationml/2006/main">
+  <p:cSld>
+    <p:spTree>
+      <p:nvGrpSpPr>
+        <p:cNvPr id="1" name=""/>
+        <p:cNvGrpSpPr/>
+        <p:nvPr/>
+      </p:nvGrpSpPr>
+      <p:grpSpPr>
+        <a:xfrm>
+          <a:off x="0" y="0"/>
+          <a:ext cx="0" cy="0"/>
+          <a:chOff x="0" y="0"/>
+          <a:chExt cx="0" cy="0"/>
+        </a:xfrm>
+      </p:grpSpPr>
+      <p:sp>
+        <p:nvSpPr>
+          <p:cNvPr id="4" name="Flussdiagramm: Magnetplattenspeicher 3">
+            <a:extLst>
+              <a:ext uri="{FF2B5EF4-FFF2-40B4-BE49-F238E27FC236}">
+                <a16:creationId xmlns:a16="http://schemas.microsoft.com/office/drawing/2014/main" id="{410944E2-CF91-4A1B-B284-4F92A593A6D2}"/>
+              </a:ext>
+            </a:extLst>
+          </p:cNvPr>
+          <p:cNvSpPr/>
+          <p:nvPr/>
+        </p:nvSpPr>
+        <p:spPr>
+          <a:xfrm>
+            <a:off x="3105236" y="7625710"/>
+            <a:ext cx="1097280" cy="600892"/>
+          </a:xfrm>
+          <a:prstGeom prst="flowChartMagneticDisk">
+            <a:avLst/>
+          </a:prstGeom>
+          <a:solidFill>
+            <a:schemeClr val="bg1"/>
+          </a:solidFill>
+        </p:spPr>
+        <p:style>
+          <a:lnRef idx="2">
+            <a:schemeClr val="accent1">
+              <a:shade val="50000"/>
+            </a:schemeClr>
+          </a:lnRef>
+          <a:fillRef idx="1">
+            <a:schemeClr val="accent1"/>
+          </a:fillRef>
+          <a:effectRef idx="0">
+            <a:schemeClr val="accent1"/>
+          </a:effectRef>
+          <a:fontRef idx="minor">
+            <a:schemeClr val="lt1"/>
+          </a:fontRef>
+        </p:style>
+        <p:txBody>
+          <a:bodyPr lIns="36000" tIns="36000" rIns="36000" bIns="36000" rtlCol="0" anchor="ctr"/>
+          <a:lstStyle/>
+          <a:p>
+            <a:pPr algn="ctr"/>
+            <a:r>
+              <a:rPr lang="de-DE" sz="1000" dirty="0">
+                <a:solidFill>
+                  <a:schemeClr val="tx1">
+                    <a:lumMod val="65000"/>
+                    <a:lumOff val="35000"/>
+                  </a:schemeClr>
+                </a:solidFill>
+              </a:rPr>
+              <a:t>AD00234_Kunde</a:t>
+            </a:r>
+          </a:p>
+        </p:txBody>
+      </p:sp>
+      <p:sp>
+        <p:nvSpPr>
+          <p:cNvPr id="5" name="Flussdiagramm: Magnetplattenspeicher 4">
+            <a:extLst>
+              <a:ext uri="{FF2B5EF4-FFF2-40B4-BE49-F238E27FC236}">
+                <a16:creationId xmlns:a16="http://schemas.microsoft.com/office/drawing/2014/main" id="{89144BF0-F8CA-4FA4-BE01-6B39B29A7F53}"/>
+              </a:ext>
+            </a:extLst>
+          </p:cNvPr>
+          <p:cNvSpPr/>
+          <p:nvPr/>
+        </p:nvSpPr>
+        <p:spPr>
+          <a:xfrm>
+            <a:off x="3105236" y="7116259"/>
+            <a:ext cx="1097280" cy="600892"/>
+          </a:xfrm>
+          <a:prstGeom prst="flowChartMagneticDisk">
+            <a:avLst/>
+          </a:prstGeom>
+          <a:solidFill>
+            <a:schemeClr val="bg1"/>
+          </a:solidFill>
+        </p:spPr>
+        <p:style>
+          <a:lnRef idx="2">
+            <a:schemeClr val="accent1">
+              <a:shade val="50000"/>
+            </a:schemeClr>
+          </a:lnRef>
+          <a:fillRef idx="1">
+            <a:schemeClr val="accent1"/>
+          </a:fillRef>
+          <a:effectRef idx="0">
+            <a:schemeClr val="accent1"/>
+          </a:effectRef>
+          <a:fontRef idx="minor">
+            <a:schemeClr val="lt1"/>
+          </a:fontRef>
+        </p:style>
+        <p:txBody>
+          <a:bodyPr lIns="36000" tIns="36000" rIns="36000" bIns="36000" rtlCol="0" anchor="ctr"/>
+          <a:lstStyle/>
+          <a:p>
+            <a:pPr algn="ctr"/>
+            <a:r>
+              <a:rPr lang="de-DE" sz="1000" dirty="0">
+                <a:solidFill>
+                  <a:schemeClr val="tx1">
+                    <a:lumMod val="65000"/>
+                    <a:lumOff val="35000"/>
+                  </a:schemeClr>
+                </a:solidFill>
+              </a:rPr>
+              <a:t>AD00123_Kunde</a:t>
+            </a:r>
+          </a:p>
+        </p:txBody>
+      </p:sp>
+      <p:sp>
+        <p:nvSpPr>
+          <p:cNvPr id="6" name="Rechteck 5">
+            <a:extLst>
+              <a:ext uri="{FF2B5EF4-FFF2-40B4-BE49-F238E27FC236}">
+                <a16:creationId xmlns:a16="http://schemas.microsoft.com/office/drawing/2014/main" id="{4887970F-C349-4C6D-9488-25BEECB55A61}"/>
+              </a:ext>
+            </a:extLst>
+          </p:cNvPr>
+          <p:cNvSpPr/>
+          <p:nvPr/>
+        </p:nvSpPr>
+        <p:spPr>
+          <a:xfrm>
+            <a:off x="2843560" y="5935092"/>
+            <a:ext cx="4255682" cy="426720"/>
+          </a:xfrm>
+          <a:prstGeom prst="rect">
+            <a:avLst/>
+          </a:prstGeom>
+          <a:solidFill>
+            <a:schemeClr val="bg1"/>
+          </a:solidFill>
+        </p:spPr>
+        <p:style>
+          <a:lnRef idx="2">
+            <a:schemeClr val="accent1">
+              <a:shade val="50000"/>
+            </a:schemeClr>
+          </a:lnRef>
+          <a:fillRef idx="1">
+            <a:schemeClr val="accent1"/>
+          </a:fillRef>
+          <a:effectRef idx="0">
+            <a:schemeClr val="accent1"/>
+          </a:effectRef>
+          <a:fontRef idx="minor">
+            <a:schemeClr val="lt1"/>
+          </a:fontRef>
+        </p:style>
+        <p:txBody>
+          <a:bodyPr rtlCol="0" anchor="ctr"/>
+          <a:lstStyle/>
+          <a:p>
+            <a:pPr algn="ctr"/>
+            <a:r>
+              <a:rPr lang="de-DE" sz="1200" dirty="0">
+                <a:solidFill>
+                  <a:schemeClr val="tx1">
+                    <a:lumMod val="65000"/>
+                    <a:lumOff val="35000"/>
+                  </a:schemeClr>
+                </a:solidFill>
+              </a:rPr>
+              <a:t>Webservice Produktiv – factoryprovider.com</a:t>
+            </a:r>
+          </a:p>
+        </p:txBody>
+      </p:sp>
+      <p:sp>
+        <p:nvSpPr>
+          <p:cNvPr id="2" name="Rechteck 1">
+            <a:extLst>
+              <a:ext uri="{FF2B5EF4-FFF2-40B4-BE49-F238E27FC236}">
+                <a16:creationId xmlns:a16="http://schemas.microsoft.com/office/drawing/2014/main" id="{1ED1E33B-483B-4399-8969-7633AF4BFD98}"/>
+              </a:ext>
+            </a:extLst>
+          </p:cNvPr>
+          <p:cNvSpPr/>
+          <p:nvPr/>
+        </p:nvSpPr>
+        <p:spPr>
+          <a:xfrm>
+            <a:off x="2809567" y="6782209"/>
+            <a:ext cx="4289673" cy="2691581"/>
+          </a:xfrm>
+          <a:prstGeom prst="rect">
+            <a:avLst/>
+          </a:prstGeom>
+          <a:noFill/>
+        </p:spPr>
+        <p:style>
+          <a:lnRef idx="2">
+            <a:schemeClr val="accent1">
+              <a:shade val="50000"/>
+            </a:schemeClr>
+          </a:lnRef>
+          <a:fillRef idx="1">
+            <a:schemeClr val="accent1"/>
+          </a:fillRef>
+          <a:effectRef idx="0">
+            <a:schemeClr val="accent1"/>
+          </a:effectRef>
+          <a:fontRef idx="minor">
+            <a:schemeClr val="lt1"/>
+          </a:fontRef>
+        </p:style>
+        <p:txBody>
+          <a:bodyPr rtlCol="0" anchor="ctr"/>
+          <a:lstStyle/>
+          <a:p>
+            <a:pPr algn="ctr"/>
+            <a:endParaRPr lang="de-DE"/>
+          </a:p>
+        </p:txBody>
+      </p:sp>
+      <p:sp>
+        <p:nvSpPr>
+          <p:cNvPr id="3" name="Textfeld 2">
+            <a:extLst>
+              <a:ext uri="{FF2B5EF4-FFF2-40B4-BE49-F238E27FC236}">
+                <a16:creationId xmlns:a16="http://schemas.microsoft.com/office/drawing/2014/main" id="{68C25AC8-C6B0-42B8-8285-6618D1C41D82}"/>
+              </a:ext>
+            </a:extLst>
+          </p:cNvPr>
+          <p:cNvSpPr txBox="1"/>
+          <p:nvPr/>
+        </p:nvSpPr>
+        <p:spPr>
+          <a:xfrm>
+            <a:off x="2744393" y="6563675"/>
+            <a:ext cx="2227008" cy="215444"/>
+          </a:xfrm>
+          <a:prstGeom prst="rect">
+            <a:avLst/>
+          </a:prstGeom>
+          <a:noFill/>
+        </p:spPr>
+        <p:txBody>
+          <a:bodyPr wrap="square" rtlCol="0">
+            <a:spAutoFit/>
+          </a:bodyPr>
+          <a:lstStyle/>
+          <a:p>
+            <a:r>
+              <a:rPr lang="de-DE" sz="800" dirty="0"/>
+              <a:t>DataFactory01-sqlserver.database.windows.net</a:t>
+            </a:r>
+          </a:p>
+        </p:txBody>
+      </p:sp>
+      <p:sp>
+        <p:nvSpPr>
+          <p:cNvPr id="9" name="Rechteck 8">
+            <a:extLst>
+              <a:ext uri="{FF2B5EF4-FFF2-40B4-BE49-F238E27FC236}">
+                <a16:creationId xmlns:a16="http://schemas.microsoft.com/office/drawing/2014/main" id="{A2381ACC-DA1D-46E2-8F04-515520B9837E}"/>
+              </a:ext>
+            </a:extLst>
+          </p:cNvPr>
+          <p:cNvSpPr/>
+          <p:nvPr/>
+        </p:nvSpPr>
+        <p:spPr>
+          <a:xfrm>
+            <a:off x="2843559" y="5442351"/>
+            <a:ext cx="4255682" cy="426720"/>
+          </a:xfrm>
+          <a:prstGeom prst="rect">
+            <a:avLst/>
+          </a:prstGeom>
+          <a:solidFill>
+            <a:schemeClr val="bg1"/>
+          </a:solidFill>
+        </p:spPr>
+        <p:style>
+          <a:lnRef idx="2">
+            <a:schemeClr val="accent1">
+              <a:shade val="50000"/>
+            </a:schemeClr>
+          </a:lnRef>
+          <a:fillRef idx="1">
+            <a:schemeClr val="accent1"/>
+          </a:fillRef>
+          <a:effectRef idx="0">
+            <a:schemeClr val="accent1"/>
+          </a:effectRef>
+          <a:fontRef idx="minor">
+            <a:schemeClr val="lt1"/>
+          </a:fontRef>
+        </p:style>
+        <p:txBody>
+          <a:bodyPr rtlCol="0" anchor="ctr"/>
+          <a:lstStyle/>
+          <a:p>
+            <a:pPr algn="ctr"/>
+            <a:r>
+              <a:rPr lang="de-DE" sz="1200" dirty="0">
+                <a:solidFill>
+                  <a:schemeClr val="tx1">
+                    <a:lumMod val="65000"/>
+                    <a:lumOff val="35000"/>
+                  </a:schemeClr>
+                </a:solidFill>
+              </a:rPr>
+              <a:t>Webservice Test – prerelease.factoryprovider.com</a:t>
+            </a:r>
+          </a:p>
+        </p:txBody>
+      </p:sp>
+      <p:sp>
+        <p:nvSpPr>
+          <p:cNvPr id="10" name="Rechteck 9">
+            <a:extLst>
+              <a:ext uri="{FF2B5EF4-FFF2-40B4-BE49-F238E27FC236}">
+                <a16:creationId xmlns:a16="http://schemas.microsoft.com/office/drawing/2014/main" id="{6DB4A8F8-2F1D-465A-931E-D35418BB61BB}"/>
+              </a:ext>
+            </a:extLst>
+          </p:cNvPr>
+          <p:cNvSpPr/>
+          <p:nvPr/>
+        </p:nvSpPr>
+        <p:spPr>
+          <a:xfrm>
+            <a:off x="2843558" y="4974266"/>
+            <a:ext cx="4255683" cy="426720"/>
+          </a:xfrm>
+          <a:prstGeom prst="rect">
+            <a:avLst/>
+          </a:prstGeom>
+          <a:solidFill>
+            <a:schemeClr val="bg1"/>
+          </a:solidFill>
+        </p:spPr>
+        <p:style>
+          <a:lnRef idx="2">
+            <a:schemeClr val="accent1">
+              <a:shade val="50000"/>
+            </a:schemeClr>
+          </a:lnRef>
+          <a:fillRef idx="1">
+            <a:schemeClr val="accent1"/>
+          </a:fillRef>
+          <a:effectRef idx="0">
+            <a:schemeClr val="accent1"/>
+          </a:effectRef>
+          <a:fontRef idx="minor">
+            <a:schemeClr val="lt1"/>
+          </a:fontRef>
+        </p:style>
+        <p:txBody>
+          <a:bodyPr rtlCol="0" anchor="ctr"/>
+          <a:lstStyle/>
+          <a:p>
+            <a:pPr algn="ctr"/>
+            <a:r>
+              <a:rPr lang="de-DE" sz="1200" dirty="0">
+                <a:solidFill>
+                  <a:schemeClr val="tx1">
+                    <a:lumMod val="65000"/>
+                    <a:lumOff val="35000"/>
+                  </a:schemeClr>
+                </a:solidFill>
+              </a:rPr>
+              <a:t>Webservice Development – development.factoryprovider.com</a:t>
+            </a:r>
+          </a:p>
+        </p:txBody>
+      </p:sp>
+      <p:cxnSp>
+        <p:nvCxnSpPr>
+          <p:cNvPr id="20" name="Gerader Verbinder 19">
+            <a:extLst>
+              <a:ext uri="{FF2B5EF4-FFF2-40B4-BE49-F238E27FC236}">
+                <a16:creationId xmlns:a16="http://schemas.microsoft.com/office/drawing/2014/main" id="{44B931B4-7B5B-4FC0-9C0B-EECE4E403523}"/>
+              </a:ext>
+            </a:extLst>
+          </p:cNvPr>
+          <p:cNvCxnSpPr>
+            <a:cxnSpLocks/>
+            <a:stCxn id="10" idx="0"/>
+            <a:endCxn id="25" idx="2"/>
+          </p:cNvCxnSpPr>
+          <p:nvPr/>
+        </p:nvCxnSpPr>
+        <p:spPr>
+          <a:xfrm flipH="1" flipV="1">
+            <a:off x="3857897" y="2392429"/>
+            <a:ext cx="1113503" cy="2581837"/>
+          </a:xfrm>
+          <a:prstGeom prst="line">
+            <a:avLst/>
+          </a:prstGeom>
+        </p:spPr>
+        <p:style>
+          <a:lnRef idx="1">
+            <a:schemeClr val="accent1"/>
+          </a:lnRef>
+          <a:fillRef idx="0">
+            <a:schemeClr val="accent1"/>
+          </a:fillRef>
+          <a:effectRef idx="0">
+            <a:schemeClr val="accent1"/>
+          </a:effectRef>
+          <a:fontRef idx="minor">
+            <a:schemeClr val="tx1"/>
+          </a:fontRef>
+        </p:style>
+      </p:cxnSp>
+      <p:sp>
+        <p:nvSpPr>
+          <p:cNvPr id="25" name="Rechteck 24">
+            <a:extLst>
+              <a:ext uri="{FF2B5EF4-FFF2-40B4-BE49-F238E27FC236}">
+                <a16:creationId xmlns:a16="http://schemas.microsoft.com/office/drawing/2014/main" id="{6C0A362D-726D-43A6-AE13-6F7AA9E2AC9A}"/>
+              </a:ext>
+            </a:extLst>
+          </p:cNvPr>
+          <p:cNvSpPr/>
+          <p:nvPr/>
+        </p:nvSpPr>
+        <p:spPr>
+          <a:xfrm>
+            <a:off x="2996134" y="1965709"/>
+            <a:ext cx="1723526" cy="426720"/>
+          </a:xfrm>
+          <a:prstGeom prst="rect">
+            <a:avLst/>
+          </a:prstGeom>
+          <a:solidFill>
+            <a:schemeClr val="bg1"/>
+          </a:solidFill>
+        </p:spPr>
+        <p:style>
+          <a:lnRef idx="2">
+            <a:schemeClr val="accent1">
+              <a:shade val="50000"/>
+            </a:schemeClr>
+          </a:lnRef>
+          <a:fillRef idx="1">
+            <a:schemeClr val="accent1"/>
+          </a:fillRef>
+          <a:effectRef idx="0">
+            <a:schemeClr val="accent1"/>
+          </a:effectRef>
+          <a:fontRef idx="minor">
+            <a:schemeClr val="lt1"/>
+          </a:fontRef>
+        </p:style>
+        <p:txBody>
+          <a:bodyPr rtlCol="0" anchor="ctr"/>
+          <a:lstStyle/>
+          <a:p>
+            <a:pPr algn="ctr"/>
+            <a:r>
+              <a:rPr lang="de-DE" sz="1200" dirty="0">
+                <a:solidFill>
+                  <a:schemeClr val="tx1">
+                    <a:lumMod val="65000"/>
+                    <a:lumOff val="35000"/>
+                  </a:schemeClr>
+                </a:solidFill>
+              </a:rPr>
+              <a:t>Webbrowser</a:t>
+            </a:r>
+          </a:p>
+        </p:txBody>
+      </p:sp>
+      <p:sp>
+        <p:nvSpPr>
+          <p:cNvPr id="50" name="Textfeld 49">
+            <a:extLst>
+              <a:ext uri="{FF2B5EF4-FFF2-40B4-BE49-F238E27FC236}">
+                <a16:creationId xmlns:a16="http://schemas.microsoft.com/office/drawing/2014/main" id="{9B9E3957-3397-47CE-A4BB-E3B04C81565B}"/>
+              </a:ext>
+            </a:extLst>
+          </p:cNvPr>
+          <p:cNvSpPr txBox="1"/>
+          <p:nvPr/>
+        </p:nvSpPr>
+        <p:spPr>
+          <a:xfrm>
+            <a:off x="1765506" y="346544"/>
+            <a:ext cx="6947193" cy="369332"/>
+          </a:xfrm>
+          <a:prstGeom prst="rect">
+            <a:avLst/>
+          </a:prstGeom>
+          <a:noFill/>
+        </p:spPr>
+        <p:txBody>
+          <a:bodyPr wrap="square" rtlCol="0">
+            <a:spAutoFit/>
+          </a:bodyPr>
+          <a:lstStyle/>
+          <a:p>
+            <a:pPr algn="ctr"/>
+            <a:r>
+              <a:rPr lang="de-DE" dirty="0"/>
+              <a:t>Import in DataFactory auf Azure</a:t>
+            </a:r>
+          </a:p>
+        </p:txBody>
+      </p:sp>
+      <p:sp>
+        <p:nvSpPr>
+          <p:cNvPr id="52" name="Rechteck 51">
+            <a:extLst>
+              <a:ext uri="{FF2B5EF4-FFF2-40B4-BE49-F238E27FC236}">
+                <a16:creationId xmlns:a16="http://schemas.microsoft.com/office/drawing/2014/main" id="{EB391F5A-8AE0-40CB-92A7-90E843283B96}"/>
+              </a:ext>
+            </a:extLst>
+          </p:cNvPr>
+          <p:cNvSpPr/>
+          <p:nvPr/>
+        </p:nvSpPr>
+        <p:spPr>
+          <a:xfrm>
+            <a:off x="293421" y="2059661"/>
+            <a:ext cx="1723526" cy="426720"/>
+          </a:xfrm>
+          <a:prstGeom prst="rect">
+            <a:avLst/>
+          </a:prstGeom>
+          <a:solidFill>
+            <a:schemeClr val="bg1"/>
+          </a:solidFill>
+        </p:spPr>
+        <p:style>
+          <a:lnRef idx="2">
+            <a:schemeClr val="accent1">
+              <a:shade val="50000"/>
+            </a:schemeClr>
+          </a:lnRef>
+          <a:fillRef idx="1">
+            <a:schemeClr val="accent1"/>
+          </a:fillRef>
+          <a:effectRef idx="0">
+            <a:schemeClr val="accent1"/>
+          </a:effectRef>
+          <a:fontRef idx="minor">
+            <a:schemeClr val="lt1"/>
+          </a:fontRef>
+        </p:style>
+        <p:txBody>
+          <a:bodyPr rtlCol="0" anchor="ctr"/>
+          <a:lstStyle/>
+          <a:p>
+            <a:pPr algn="ctr"/>
+            <a:r>
+              <a:rPr lang="de-DE" sz="1200" dirty="0">
+                <a:solidFill>
+                  <a:schemeClr val="tx1">
+                    <a:lumMod val="65000"/>
+                    <a:lumOff val="35000"/>
+                  </a:schemeClr>
+                </a:solidFill>
+              </a:rPr>
+              <a:t>XLS Client</a:t>
+            </a:r>
+          </a:p>
+        </p:txBody>
+      </p:sp>
+      <p:cxnSp>
+        <p:nvCxnSpPr>
+          <p:cNvPr id="53" name="Gerader Verbinder 52">
+            <a:extLst>
+              <a:ext uri="{FF2B5EF4-FFF2-40B4-BE49-F238E27FC236}">
+                <a16:creationId xmlns:a16="http://schemas.microsoft.com/office/drawing/2014/main" id="{F3EFCCA5-2901-47F7-A6DA-EB75D8AC213B}"/>
+              </a:ext>
+            </a:extLst>
+          </p:cNvPr>
+          <p:cNvCxnSpPr>
+            <a:cxnSpLocks/>
+            <a:stCxn id="10" idx="0"/>
+            <a:endCxn id="52" idx="2"/>
+          </p:cNvCxnSpPr>
+          <p:nvPr/>
+        </p:nvCxnSpPr>
+        <p:spPr>
+          <a:xfrm flipH="1" flipV="1">
+            <a:off x="1155184" y="2486381"/>
+            <a:ext cx="3816216" cy="2487885"/>
+          </a:xfrm>
+          <a:prstGeom prst="line">
+            <a:avLst/>
+          </a:prstGeom>
+        </p:spPr>
+        <p:style>
+          <a:lnRef idx="1">
+            <a:schemeClr val="accent1"/>
+          </a:lnRef>
+          <a:fillRef idx="0">
+            <a:schemeClr val="accent1"/>
+          </a:fillRef>
+          <a:effectRef idx="0">
+            <a:schemeClr val="accent1"/>
+          </a:effectRef>
+          <a:fontRef idx="minor">
+            <a:schemeClr val="tx1"/>
+          </a:fontRef>
+        </p:style>
+      </p:cxnSp>
+      <p:pic>
+        <p:nvPicPr>
+          <p:cNvPr id="77" name="Grafik 76">
+            <a:extLst>
+              <a:ext uri="{FF2B5EF4-FFF2-40B4-BE49-F238E27FC236}">
+                <a16:creationId xmlns:a16="http://schemas.microsoft.com/office/drawing/2014/main" id="{8F774EB6-F526-4494-B8CE-23D5878BCE81}"/>
+              </a:ext>
+            </a:extLst>
+          </p:cNvPr>
+          <p:cNvPicPr>
+            <a:picLocks noChangeAspect="1"/>
+          </p:cNvPicPr>
+          <p:nvPr/>
+        </p:nvPicPr>
+        <p:blipFill>
+          <a:blip r:embed="rId2">
+            <a:extLst>
+              <a:ext uri="{28A0092B-C50C-407E-A947-70E740481C1C}">
+                <a14:useLocalDpi xmlns:a14="http://schemas.microsoft.com/office/drawing/2010/main" val="0"/>
+              </a:ext>
+            </a:extLst>
+          </a:blip>
+          <a:stretch>
+            <a:fillRect/>
+          </a:stretch>
+        </p:blipFill>
+        <p:spPr>
+          <a:xfrm>
+            <a:off x="9191812" y="167716"/>
+            <a:ext cx="2768484" cy="1096320"/>
+          </a:xfrm>
+          <a:prstGeom prst="rect">
+            <a:avLst/>
+          </a:prstGeom>
+        </p:spPr>
+      </p:pic>
+      <p:sp>
+        <p:nvSpPr>
+          <p:cNvPr id="38" name="Textfeld 37">
+            <a:extLst>
+              <a:ext uri="{FF2B5EF4-FFF2-40B4-BE49-F238E27FC236}">
+                <a16:creationId xmlns:a16="http://schemas.microsoft.com/office/drawing/2014/main" id="{88C66934-1706-409E-B11D-A3807B82DCC5}"/>
+              </a:ext>
+            </a:extLst>
+          </p:cNvPr>
+          <p:cNvSpPr txBox="1"/>
+          <p:nvPr/>
+        </p:nvSpPr>
+        <p:spPr>
+          <a:xfrm>
+            <a:off x="1032110" y="3267848"/>
+            <a:ext cx="1395892" cy="707886"/>
+          </a:xfrm>
+          <a:prstGeom prst="rect">
+            <a:avLst/>
+          </a:prstGeom>
+          <a:noFill/>
+        </p:spPr>
+        <p:txBody>
+          <a:bodyPr wrap="square" rtlCol="0">
+            <a:spAutoFit/>
+          </a:bodyPr>
+          <a:lstStyle/>
+          <a:p>
+            <a:r>
+              <a:rPr lang="de-DE" sz="800" dirty="0"/>
+              <a:t>Import </a:t>
+            </a:r>
+            <a:r>
+              <a:rPr lang="de-DE" sz="800" dirty="0" err="1"/>
+              <a:t>Product</a:t>
+            </a:r>
+            <a:endParaRPr lang="de-DE" sz="800" dirty="0"/>
+          </a:p>
+          <a:p>
+            <a:r>
+              <a:rPr lang="de-DE" sz="800" dirty="0">
+                <a:solidFill>
+                  <a:schemeClr val="bg1">
+                    <a:lumMod val="50000"/>
+                  </a:schemeClr>
+                </a:solidFill>
+              </a:rPr>
+              <a:t>Ca. 10.000 Zellen maximal </a:t>
+            </a:r>
+          </a:p>
+          <a:p>
+            <a:r>
+              <a:rPr lang="de-DE" sz="800" dirty="0">
+                <a:solidFill>
+                  <a:schemeClr val="bg1">
+                    <a:lumMod val="50000"/>
+                  </a:schemeClr>
+                </a:solidFill>
+              </a:rPr>
+              <a:t>(30.000 Zellen technisches Limit)</a:t>
+            </a:r>
+          </a:p>
+          <a:p>
+            <a:endParaRPr lang="de-DE" sz="800" dirty="0"/>
+          </a:p>
+        </p:txBody>
+      </p:sp>
+    </p:spTree>
+    <p:extLst>
+      <p:ext uri="{BB962C8B-B14F-4D97-AF65-F5344CB8AC3E}">
+        <p14:creationId xmlns:p14="http://schemas.microsoft.com/office/powerpoint/2010/main" val="4071134042"/>
       </p:ext>
     </p:extLst>
   </p:cSld>

--- a/1c. Working with Azure/AccessAzureOverview.pptx
+++ b/1c. Working with Azure/AccessAzureOverview.pptx
@@ -2,13 +2,13 @@
 <file path=ppt/presentation.xml><?xml version="1.0" encoding="utf-8"?>
 <p:presentation xmlns:a="http://schemas.openxmlformats.org/drawingml/2006/main" xmlns:r="http://schemas.openxmlformats.org/officeDocument/2006/relationships" xmlns:p="http://schemas.openxmlformats.org/presentationml/2006/main" saveSubsetFonts="1">
   <p:sldMasterIdLst>
-    <p:sldMasterId id="2147483684" r:id="rId1"/>
+    <p:sldMasterId id="2147483696" r:id="rId1"/>
   </p:sldMasterIdLst>
   <p:sldIdLst>
     <p:sldId id="256" r:id="rId2"/>
     <p:sldId id="257" r:id="rId3"/>
   </p:sldIdLst>
-  <p:sldSz cx="12192000" cy="16256000"/>
+  <p:sldSz cx="7559675" cy="10691813"/>
   <p:notesSz cx="6797675" cy="9926638"/>
   <p:defaultTextStyle>
     <a:defPPr>
@@ -142,15 +142,15 @@
         </p:nvSpPr>
         <p:spPr>
           <a:xfrm>
-            <a:off x="914400" y="2660416"/>
-            <a:ext cx="10363200" cy="5659496"/>
+            <a:off x="566976" y="1749795"/>
+            <a:ext cx="6425724" cy="3722335"/>
           </a:xfrm>
         </p:spPr>
         <p:txBody>
           <a:bodyPr anchor="b"/>
           <a:lstStyle>
             <a:lvl1pPr algn="ctr">
-              <a:defRPr sz="8000"/>
+              <a:defRPr sz="4960"/>
             </a:lvl1pPr>
           </a:lstStyle>
           <a:p>
@@ -174,8 +174,8 @@
         </p:nvSpPr>
         <p:spPr>
           <a:xfrm>
-            <a:off x="1524000" y="8538164"/>
-            <a:ext cx="9144000" cy="3924769"/>
+            <a:off x="944960" y="5615678"/>
+            <a:ext cx="5669756" cy="2581379"/>
           </a:xfrm>
         </p:spPr>
         <p:txBody>
@@ -183,39 +183,39 @@
           <a:lstStyle>
             <a:lvl1pPr marL="0" indent="0" algn="ctr">
               <a:buNone/>
-              <a:defRPr sz="3200"/>
+              <a:defRPr sz="1984"/>
             </a:lvl1pPr>
-            <a:lvl2pPr marL="609585" indent="0" algn="ctr">
+            <a:lvl2pPr marL="377967" indent="0" algn="ctr">
               <a:buNone/>
-              <a:defRPr sz="2667"/>
+              <a:defRPr sz="1653"/>
             </a:lvl2pPr>
-            <a:lvl3pPr marL="1219170" indent="0" algn="ctr">
+            <a:lvl3pPr marL="755934" indent="0" algn="ctr">
               <a:buNone/>
-              <a:defRPr sz="2400"/>
+              <a:defRPr sz="1488"/>
             </a:lvl3pPr>
-            <a:lvl4pPr marL="1828754" indent="0" algn="ctr">
+            <a:lvl4pPr marL="1133902" indent="0" algn="ctr">
               <a:buNone/>
-              <a:defRPr sz="2133"/>
+              <a:defRPr sz="1323"/>
             </a:lvl4pPr>
-            <a:lvl5pPr marL="2438339" indent="0" algn="ctr">
+            <a:lvl5pPr marL="1511869" indent="0" algn="ctr">
               <a:buNone/>
-              <a:defRPr sz="2133"/>
+              <a:defRPr sz="1323"/>
             </a:lvl5pPr>
-            <a:lvl6pPr marL="3047924" indent="0" algn="ctr">
+            <a:lvl6pPr marL="1889836" indent="0" algn="ctr">
               <a:buNone/>
-              <a:defRPr sz="2133"/>
+              <a:defRPr sz="1323"/>
             </a:lvl6pPr>
-            <a:lvl7pPr marL="3657509" indent="0" algn="ctr">
+            <a:lvl7pPr marL="2267803" indent="0" algn="ctr">
               <a:buNone/>
-              <a:defRPr sz="2133"/>
+              <a:defRPr sz="1323"/>
             </a:lvl7pPr>
-            <a:lvl8pPr marL="4267093" indent="0" algn="ctr">
+            <a:lvl8pPr marL="2645771" indent="0" algn="ctr">
               <a:buNone/>
-              <a:defRPr sz="2133"/>
+              <a:defRPr sz="1323"/>
             </a:lvl8pPr>
-            <a:lvl9pPr marL="4876678" indent="0" algn="ctr">
+            <a:lvl9pPr marL="3023738" indent="0" algn="ctr">
               <a:buNone/>
-              <a:defRPr sz="2133"/>
+              <a:defRPr sz="1323"/>
             </a:lvl9pPr>
           </a:lstStyle>
           <a:p>
@@ -244,7 +244,7 @@
           <a:p>
             <a:fld id="{84BD7C8B-36D3-466B-917C-BF3CFA95D07A}" type="datetimeFigureOut">
               <a:rPr lang="de-DE" smtClean="0"/>
-              <a:t>21.09.2018</a:t>
+              <a:t>21.10.2018</a:t>
             </a:fld>
             <a:endParaRPr lang="de-DE"/>
           </a:p>
@@ -295,7 +295,7 @@
     </p:spTree>
     <p:extLst>
       <p:ext uri="{BB962C8B-B14F-4D97-AF65-F5344CB8AC3E}">
-        <p14:creationId xmlns:p14="http://schemas.microsoft.com/office/powerpoint/2010/main" val="664195845"/>
+        <p14:creationId xmlns:p14="http://schemas.microsoft.com/office/powerpoint/2010/main" val="1140687233"/>
       </p:ext>
     </p:extLst>
   </p:cSld>
@@ -414,7 +414,7 @@
           <a:p>
             <a:fld id="{84BD7C8B-36D3-466B-917C-BF3CFA95D07A}" type="datetimeFigureOut">
               <a:rPr lang="de-DE" smtClean="0"/>
-              <a:t>21.09.2018</a:t>
+              <a:t>21.10.2018</a:t>
             </a:fld>
             <a:endParaRPr lang="de-DE"/>
           </a:p>
@@ -465,7 +465,7 @@
     </p:spTree>
     <p:extLst>
       <p:ext uri="{BB962C8B-B14F-4D97-AF65-F5344CB8AC3E}">
-        <p14:creationId xmlns:p14="http://schemas.microsoft.com/office/powerpoint/2010/main" val="4129626757"/>
+        <p14:creationId xmlns:p14="http://schemas.microsoft.com/office/powerpoint/2010/main" val="1198400713"/>
       </p:ext>
     </p:extLst>
   </p:cSld>
@@ -504,8 +504,8 @@
         </p:nvSpPr>
         <p:spPr>
           <a:xfrm>
-            <a:off x="8724901" y="865481"/>
-            <a:ext cx="2628900" cy="13776209"/>
+            <a:off x="5409893" y="569240"/>
+            <a:ext cx="1630055" cy="9060817"/>
           </a:xfrm>
         </p:spPr>
         <p:txBody>
@@ -532,8 +532,8 @@
         </p:nvSpPr>
         <p:spPr>
           <a:xfrm>
-            <a:off x="838201" y="865481"/>
-            <a:ext cx="7734300" cy="13776209"/>
+            <a:off x="519728" y="569240"/>
+            <a:ext cx="4795669" cy="9060817"/>
           </a:xfrm>
         </p:spPr>
         <p:txBody>
@@ -594,7 +594,7 @@
           <a:p>
             <a:fld id="{84BD7C8B-36D3-466B-917C-BF3CFA95D07A}" type="datetimeFigureOut">
               <a:rPr lang="de-DE" smtClean="0"/>
-              <a:t>21.09.2018</a:t>
+              <a:t>21.10.2018</a:t>
             </a:fld>
             <a:endParaRPr lang="de-DE"/>
           </a:p>
@@ -645,7 +645,7 @@
     </p:spTree>
     <p:extLst>
       <p:ext uri="{BB962C8B-B14F-4D97-AF65-F5344CB8AC3E}">
-        <p14:creationId xmlns:p14="http://schemas.microsoft.com/office/powerpoint/2010/main" val="1497979020"/>
+        <p14:creationId xmlns:p14="http://schemas.microsoft.com/office/powerpoint/2010/main" val="3245012852"/>
       </p:ext>
     </p:extLst>
   </p:cSld>
@@ -764,7 +764,7 @@
           <a:p>
             <a:fld id="{84BD7C8B-36D3-466B-917C-BF3CFA95D07A}" type="datetimeFigureOut">
               <a:rPr lang="de-DE" smtClean="0"/>
-              <a:t>21.09.2018</a:t>
+              <a:t>21.10.2018</a:t>
             </a:fld>
             <a:endParaRPr lang="de-DE"/>
           </a:p>
@@ -815,7 +815,7 @@
     </p:spTree>
     <p:extLst>
       <p:ext uri="{BB962C8B-B14F-4D97-AF65-F5344CB8AC3E}">
-        <p14:creationId xmlns:p14="http://schemas.microsoft.com/office/powerpoint/2010/main" val="2962405688"/>
+        <p14:creationId xmlns:p14="http://schemas.microsoft.com/office/powerpoint/2010/main" val="1823878467"/>
       </p:ext>
     </p:extLst>
   </p:cSld>
@@ -854,15 +854,15 @@
         </p:nvSpPr>
         <p:spPr>
           <a:xfrm>
-            <a:off x="831851" y="4052716"/>
-            <a:ext cx="10515600" cy="6762043"/>
+            <a:off x="515791" y="2665532"/>
+            <a:ext cx="6520220" cy="4447496"/>
           </a:xfrm>
         </p:spPr>
         <p:txBody>
           <a:bodyPr anchor="b"/>
           <a:lstStyle>
             <a:lvl1pPr>
-              <a:defRPr sz="8000"/>
+              <a:defRPr sz="4960"/>
             </a:lvl1pPr>
           </a:lstStyle>
           <a:p>
@@ -886,8 +886,8 @@
         </p:nvSpPr>
         <p:spPr>
           <a:xfrm>
-            <a:off x="831851" y="10878731"/>
-            <a:ext cx="10515600" cy="3555999"/>
+            <a:off x="515791" y="7155103"/>
+            <a:ext cx="6520220" cy="2338833"/>
           </a:xfrm>
         </p:spPr>
         <p:txBody>
@@ -895,15 +895,15 @@
           <a:lstStyle>
             <a:lvl1pPr marL="0" indent="0">
               <a:buNone/>
-              <a:defRPr sz="3200">
+              <a:defRPr sz="1984">
                 <a:solidFill>
                   <a:schemeClr val="tx1"/>
                 </a:solidFill>
               </a:defRPr>
             </a:lvl1pPr>
-            <a:lvl2pPr marL="609585" indent="0">
+            <a:lvl2pPr marL="377967" indent="0">
               <a:buNone/>
-              <a:defRPr sz="2667">
+              <a:defRPr sz="1653">
                 <a:solidFill>
                   <a:schemeClr val="tx1">
                     <a:tint val="75000"/>
@@ -911,9 +911,9 @@
                 </a:solidFill>
               </a:defRPr>
             </a:lvl2pPr>
-            <a:lvl3pPr marL="1219170" indent="0">
+            <a:lvl3pPr marL="755934" indent="0">
               <a:buNone/>
-              <a:defRPr sz="2400">
+              <a:defRPr sz="1488">
                 <a:solidFill>
                   <a:schemeClr val="tx1">
                     <a:tint val="75000"/>
@@ -921,9 +921,9 @@
                 </a:solidFill>
               </a:defRPr>
             </a:lvl3pPr>
-            <a:lvl4pPr marL="1828754" indent="0">
+            <a:lvl4pPr marL="1133902" indent="0">
               <a:buNone/>
-              <a:defRPr sz="2133">
+              <a:defRPr sz="1323">
                 <a:solidFill>
                   <a:schemeClr val="tx1">
                     <a:tint val="75000"/>
@@ -931,9 +931,9 @@
                 </a:solidFill>
               </a:defRPr>
             </a:lvl4pPr>
-            <a:lvl5pPr marL="2438339" indent="0">
+            <a:lvl5pPr marL="1511869" indent="0">
               <a:buNone/>
-              <a:defRPr sz="2133">
+              <a:defRPr sz="1323">
                 <a:solidFill>
                   <a:schemeClr val="tx1">
                     <a:tint val="75000"/>
@@ -941,9 +941,9 @@
                 </a:solidFill>
               </a:defRPr>
             </a:lvl5pPr>
-            <a:lvl6pPr marL="3047924" indent="0">
+            <a:lvl6pPr marL="1889836" indent="0">
               <a:buNone/>
-              <a:defRPr sz="2133">
+              <a:defRPr sz="1323">
                 <a:solidFill>
                   <a:schemeClr val="tx1">
                     <a:tint val="75000"/>
@@ -951,9 +951,9 @@
                 </a:solidFill>
               </a:defRPr>
             </a:lvl6pPr>
-            <a:lvl7pPr marL="3657509" indent="0">
+            <a:lvl7pPr marL="2267803" indent="0">
               <a:buNone/>
-              <a:defRPr sz="2133">
+              <a:defRPr sz="1323">
                 <a:solidFill>
                   <a:schemeClr val="tx1">
                     <a:tint val="75000"/>
@@ -961,9 +961,9 @@
                 </a:solidFill>
               </a:defRPr>
             </a:lvl7pPr>
-            <a:lvl8pPr marL="4267093" indent="0">
+            <a:lvl8pPr marL="2645771" indent="0">
               <a:buNone/>
-              <a:defRPr sz="2133">
+              <a:defRPr sz="1323">
                 <a:solidFill>
                   <a:schemeClr val="tx1">
                     <a:tint val="75000"/>
@@ -971,9 +971,9 @@
                 </a:solidFill>
               </a:defRPr>
             </a:lvl8pPr>
-            <a:lvl9pPr marL="4876678" indent="0">
+            <a:lvl9pPr marL="3023738" indent="0">
               <a:buNone/>
-              <a:defRPr sz="2133">
+              <a:defRPr sz="1323">
                 <a:solidFill>
                   <a:schemeClr val="tx1">
                     <a:tint val="75000"/>
@@ -1008,7 +1008,7 @@
           <a:p>
             <a:fld id="{84BD7C8B-36D3-466B-917C-BF3CFA95D07A}" type="datetimeFigureOut">
               <a:rPr lang="de-DE" smtClean="0"/>
-              <a:t>21.09.2018</a:t>
+              <a:t>21.10.2018</a:t>
             </a:fld>
             <a:endParaRPr lang="de-DE"/>
           </a:p>
@@ -1059,7 +1059,7 @@
     </p:spTree>
     <p:extLst>
       <p:ext uri="{BB962C8B-B14F-4D97-AF65-F5344CB8AC3E}">
-        <p14:creationId xmlns:p14="http://schemas.microsoft.com/office/powerpoint/2010/main" val="65799274"/>
+        <p14:creationId xmlns:p14="http://schemas.microsoft.com/office/powerpoint/2010/main" val="3987870593"/>
       </p:ext>
     </p:extLst>
   </p:cSld>
@@ -1121,8 +1121,8 @@
         </p:nvSpPr>
         <p:spPr>
           <a:xfrm>
-            <a:off x="838200" y="4327407"/>
-            <a:ext cx="5181600" cy="10314283"/>
+            <a:off x="519728" y="2846200"/>
+            <a:ext cx="3212862" cy="6783857"/>
           </a:xfrm>
         </p:spPr>
         <p:txBody>
@@ -1178,8 +1178,8 @@
         </p:nvSpPr>
         <p:spPr>
           <a:xfrm>
-            <a:off x="6172200" y="4327407"/>
-            <a:ext cx="5181600" cy="10314283"/>
+            <a:off x="3827085" y="2846200"/>
+            <a:ext cx="3212862" cy="6783857"/>
           </a:xfrm>
         </p:spPr>
         <p:txBody>
@@ -1240,7 +1240,7 @@
           <a:p>
             <a:fld id="{84BD7C8B-36D3-466B-917C-BF3CFA95D07A}" type="datetimeFigureOut">
               <a:rPr lang="de-DE" smtClean="0"/>
-              <a:t>21.09.2018</a:t>
+              <a:t>21.10.2018</a:t>
             </a:fld>
             <a:endParaRPr lang="de-DE"/>
           </a:p>
@@ -1291,7 +1291,7 @@
     </p:spTree>
     <p:extLst>
       <p:ext uri="{BB962C8B-B14F-4D97-AF65-F5344CB8AC3E}">
-        <p14:creationId xmlns:p14="http://schemas.microsoft.com/office/powerpoint/2010/main" val="705483714"/>
+        <p14:creationId xmlns:p14="http://schemas.microsoft.com/office/powerpoint/2010/main" val="1228892603"/>
       </p:ext>
     </p:extLst>
   </p:cSld>
@@ -1330,8 +1330,8 @@
         </p:nvSpPr>
         <p:spPr>
           <a:xfrm>
-            <a:off x="839788" y="865485"/>
-            <a:ext cx="10515600" cy="3142075"/>
+            <a:off x="520712" y="569242"/>
+            <a:ext cx="6520220" cy="2066590"/>
           </a:xfrm>
         </p:spPr>
         <p:txBody>
@@ -1358,8 +1358,8 @@
         </p:nvSpPr>
         <p:spPr>
           <a:xfrm>
-            <a:off x="839789" y="3984979"/>
-            <a:ext cx="5157787" cy="1952977"/>
+            <a:off x="520713" y="2620980"/>
+            <a:ext cx="3198096" cy="1284502"/>
           </a:xfrm>
         </p:spPr>
         <p:txBody>
@@ -1367,39 +1367,39 @@
           <a:lstStyle>
             <a:lvl1pPr marL="0" indent="0">
               <a:buNone/>
-              <a:defRPr sz="3200" b="1"/>
+              <a:defRPr sz="1984" b="1"/>
             </a:lvl1pPr>
-            <a:lvl2pPr marL="609585" indent="0">
+            <a:lvl2pPr marL="377967" indent="0">
               <a:buNone/>
-              <a:defRPr sz="2667" b="1"/>
+              <a:defRPr sz="1653" b="1"/>
             </a:lvl2pPr>
-            <a:lvl3pPr marL="1219170" indent="0">
+            <a:lvl3pPr marL="755934" indent="0">
               <a:buNone/>
-              <a:defRPr sz="2400" b="1"/>
+              <a:defRPr sz="1488" b="1"/>
             </a:lvl3pPr>
-            <a:lvl4pPr marL="1828754" indent="0">
+            <a:lvl4pPr marL="1133902" indent="0">
               <a:buNone/>
-              <a:defRPr sz="2133" b="1"/>
+              <a:defRPr sz="1323" b="1"/>
             </a:lvl4pPr>
-            <a:lvl5pPr marL="2438339" indent="0">
+            <a:lvl5pPr marL="1511869" indent="0">
               <a:buNone/>
-              <a:defRPr sz="2133" b="1"/>
+              <a:defRPr sz="1323" b="1"/>
             </a:lvl5pPr>
-            <a:lvl6pPr marL="3047924" indent="0">
+            <a:lvl6pPr marL="1889836" indent="0">
               <a:buNone/>
-              <a:defRPr sz="2133" b="1"/>
+              <a:defRPr sz="1323" b="1"/>
             </a:lvl6pPr>
-            <a:lvl7pPr marL="3657509" indent="0">
+            <a:lvl7pPr marL="2267803" indent="0">
               <a:buNone/>
-              <a:defRPr sz="2133" b="1"/>
+              <a:defRPr sz="1323" b="1"/>
             </a:lvl7pPr>
-            <a:lvl8pPr marL="4267093" indent="0">
+            <a:lvl8pPr marL="2645771" indent="0">
               <a:buNone/>
-              <a:defRPr sz="2133" b="1"/>
+              <a:defRPr sz="1323" b="1"/>
             </a:lvl8pPr>
-            <a:lvl9pPr marL="4876678" indent="0">
+            <a:lvl9pPr marL="3023738" indent="0">
               <a:buNone/>
-              <a:defRPr sz="2133" b="1"/>
+              <a:defRPr sz="1323" b="1"/>
             </a:lvl9pPr>
           </a:lstStyle>
           <a:p>
@@ -1423,8 +1423,8 @@
         </p:nvSpPr>
         <p:spPr>
           <a:xfrm>
-            <a:off x="839789" y="5937956"/>
-            <a:ext cx="5157787" cy="8733838"/>
+            <a:off x="520713" y="3905482"/>
+            <a:ext cx="3198096" cy="5744375"/>
           </a:xfrm>
         </p:spPr>
         <p:txBody>
@@ -1480,8 +1480,8 @@
         </p:nvSpPr>
         <p:spPr>
           <a:xfrm>
-            <a:off x="6172201" y="3984979"/>
-            <a:ext cx="5183188" cy="1952977"/>
+            <a:off x="3827086" y="2620980"/>
+            <a:ext cx="3213847" cy="1284502"/>
           </a:xfrm>
         </p:spPr>
         <p:txBody>
@@ -1489,39 +1489,39 @@
           <a:lstStyle>
             <a:lvl1pPr marL="0" indent="0">
               <a:buNone/>
-              <a:defRPr sz="3200" b="1"/>
+              <a:defRPr sz="1984" b="1"/>
             </a:lvl1pPr>
-            <a:lvl2pPr marL="609585" indent="0">
+            <a:lvl2pPr marL="377967" indent="0">
               <a:buNone/>
-              <a:defRPr sz="2667" b="1"/>
+              <a:defRPr sz="1653" b="1"/>
             </a:lvl2pPr>
-            <a:lvl3pPr marL="1219170" indent="0">
+            <a:lvl3pPr marL="755934" indent="0">
               <a:buNone/>
-              <a:defRPr sz="2400" b="1"/>
+              <a:defRPr sz="1488" b="1"/>
             </a:lvl3pPr>
-            <a:lvl4pPr marL="1828754" indent="0">
+            <a:lvl4pPr marL="1133902" indent="0">
               <a:buNone/>
-              <a:defRPr sz="2133" b="1"/>
+              <a:defRPr sz="1323" b="1"/>
             </a:lvl4pPr>
-            <a:lvl5pPr marL="2438339" indent="0">
+            <a:lvl5pPr marL="1511869" indent="0">
               <a:buNone/>
-              <a:defRPr sz="2133" b="1"/>
+              <a:defRPr sz="1323" b="1"/>
             </a:lvl5pPr>
-            <a:lvl6pPr marL="3047924" indent="0">
+            <a:lvl6pPr marL="1889836" indent="0">
               <a:buNone/>
-              <a:defRPr sz="2133" b="1"/>
+              <a:defRPr sz="1323" b="1"/>
             </a:lvl6pPr>
-            <a:lvl7pPr marL="3657509" indent="0">
+            <a:lvl7pPr marL="2267803" indent="0">
               <a:buNone/>
-              <a:defRPr sz="2133" b="1"/>
+              <a:defRPr sz="1323" b="1"/>
             </a:lvl7pPr>
-            <a:lvl8pPr marL="4267093" indent="0">
+            <a:lvl8pPr marL="2645771" indent="0">
               <a:buNone/>
-              <a:defRPr sz="2133" b="1"/>
+              <a:defRPr sz="1323" b="1"/>
             </a:lvl8pPr>
-            <a:lvl9pPr marL="4876678" indent="0">
+            <a:lvl9pPr marL="3023738" indent="0">
               <a:buNone/>
-              <a:defRPr sz="2133" b="1"/>
+              <a:defRPr sz="1323" b="1"/>
             </a:lvl9pPr>
           </a:lstStyle>
           <a:p>
@@ -1545,8 +1545,8 @@
         </p:nvSpPr>
         <p:spPr>
           <a:xfrm>
-            <a:off x="6172201" y="5937956"/>
-            <a:ext cx="5183188" cy="8733838"/>
+            <a:off x="3827086" y="3905482"/>
+            <a:ext cx="3213847" cy="5744375"/>
           </a:xfrm>
         </p:spPr>
         <p:txBody>
@@ -1607,7 +1607,7 @@
           <a:p>
             <a:fld id="{84BD7C8B-36D3-466B-917C-BF3CFA95D07A}" type="datetimeFigureOut">
               <a:rPr lang="de-DE" smtClean="0"/>
-              <a:t>21.09.2018</a:t>
+              <a:t>21.10.2018</a:t>
             </a:fld>
             <a:endParaRPr lang="de-DE"/>
           </a:p>
@@ -1658,7 +1658,7 @@
     </p:spTree>
     <p:extLst>
       <p:ext uri="{BB962C8B-B14F-4D97-AF65-F5344CB8AC3E}">
-        <p14:creationId xmlns:p14="http://schemas.microsoft.com/office/powerpoint/2010/main" val="2679798734"/>
+        <p14:creationId xmlns:p14="http://schemas.microsoft.com/office/powerpoint/2010/main" val="1570702147"/>
       </p:ext>
     </p:extLst>
   </p:cSld>
@@ -1725,7 +1725,7 @@
           <a:p>
             <a:fld id="{84BD7C8B-36D3-466B-917C-BF3CFA95D07A}" type="datetimeFigureOut">
               <a:rPr lang="de-DE" smtClean="0"/>
-              <a:t>21.09.2018</a:t>
+              <a:t>21.10.2018</a:t>
             </a:fld>
             <a:endParaRPr lang="de-DE"/>
           </a:p>
@@ -1776,7 +1776,7 @@
     </p:spTree>
     <p:extLst>
       <p:ext uri="{BB962C8B-B14F-4D97-AF65-F5344CB8AC3E}">
-        <p14:creationId xmlns:p14="http://schemas.microsoft.com/office/powerpoint/2010/main" val="1491343738"/>
+        <p14:creationId xmlns:p14="http://schemas.microsoft.com/office/powerpoint/2010/main" val="3966001410"/>
       </p:ext>
     </p:extLst>
   </p:cSld>
@@ -1820,7 +1820,7 @@
           <a:p>
             <a:fld id="{84BD7C8B-36D3-466B-917C-BF3CFA95D07A}" type="datetimeFigureOut">
               <a:rPr lang="de-DE" smtClean="0"/>
-              <a:t>21.09.2018</a:t>
+              <a:t>21.10.2018</a:t>
             </a:fld>
             <a:endParaRPr lang="de-DE"/>
           </a:p>
@@ -1871,7 +1871,7 @@
     </p:spTree>
     <p:extLst>
       <p:ext uri="{BB962C8B-B14F-4D97-AF65-F5344CB8AC3E}">
-        <p14:creationId xmlns:p14="http://schemas.microsoft.com/office/powerpoint/2010/main" val="1936621234"/>
+        <p14:creationId xmlns:p14="http://schemas.microsoft.com/office/powerpoint/2010/main" val="2540747002"/>
       </p:ext>
     </p:extLst>
   </p:cSld>
@@ -1910,15 +1910,15 @@
         </p:nvSpPr>
         <p:spPr>
           <a:xfrm>
-            <a:off x="839788" y="1083733"/>
-            <a:ext cx="3932237" cy="3793067"/>
+            <a:off x="520712" y="712788"/>
+            <a:ext cx="2438192" cy="2494756"/>
           </a:xfrm>
         </p:spPr>
         <p:txBody>
           <a:bodyPr anchor="b"/>
           <a:lstStyle>
             <a:lvl1pPr>
-              <a:defRPr sz="4267"/>
+              <a:defRPr sz="2645"/>
             </a:lvl1pPr>
           </a:lstStyle>
           <a:p>
@@ -1942,39 +1942,39 @@
         </p:nvSpPr>
         <p:spPr>
           <a:xfrm>
-            <a:off x="5183188" y="2340567"/>
-            <a:ext cx="6172200" cy="11552296"/>
+            <a:off x="3213847" y="1539425"/>
+            <a:ext cx="3827085" cy="7598117"/>
           </a:xfrm>
         </p:spPr>
         <p:txBody>
           <a:bodyPr/>
           <a:lstStyle>
             <a:lvl1pPr>
-              <a:defRPr sz="4267"/>
+              <a:defRPr sz="2645"/>
             </a:lvl1pPr>
             <a:lvl2pPr>
-              <a:defRPr sz="3733"/>
+              <a:defRPr sz="2315"/>
             </a:lvl2pPr>
             <a:lvl3pPr>
-              <a:defRPr sz="3200"/>
+              <a:defRPr sz="1984"/>
             </a:lvl3pPr>
             <a:lvl4pPr>
-              <a:defRPr sz="2667"/>
+              <a:defRPr sz="1653"/>
             </a:lvl4pPr>
             <a:lvl5pPr>
-              <a:defRPr sz="2667"/>
+              <a:defRPr sz="1653"/>
             </a:lvl5pPr>
             <a:lvl6pPr>
-              <a:defRPr sz="2667"/>
+              <a:defRPr sz="1653"/>
             </a:lvl6pPr>
             <a:lvl7pPr>
-              <a:defRPr sz="2667"/>
+              <a:defRPr sz="1653"/>
             </a:lvl7pPr>
             <a:lvl8pPr>
-              <a:defRPr sz="2667"/>
+              <a:defRPr sz="1653"/>
             </a:lvl8pPr>
             <a:lvl9pPr>
-              <a:defRPr sz="2667"/>
+              <a:defRPr sz="1653"/>
             </a:lvl9pPr>
           </a:lstStyle>
           <a:p>
@@ -2027,8 +2027,8 @@
         </p:nvSpPr>
         <p:spPr>
           <a:xfrm>
-            <a:off x="839788" y="4876800"/>
-            <a:ext cx="3932237" cy="9034875"/>
+            <a:off x="520712" y="3207544"/>
+            <a:ext cx="2438192" cy="5942372"/>
           </a:xfrm>
         </p:spPr>
         <p:txBody>
@@ -2036,39 +2036,39 @@
           <a:lstStyle>
             <a:lvl1pPr marL="0" indent="0">
               <a:buNone/>
-              <a:defRPr sz="2133"/>
+              <a:defRPr sz="1323"/>
             </a:lvl1pPr>
-            <a:lvl2pPr marL="609585" indent="0">
+            <a:lvl2pPr marL="377967" indent="0">
               <a:buNone/>
-              <a:defRPr sz="1867"/>
+              <a:defRPr sz="1157"/>
             </a:lvl2pPr>
-            <a:lvl3pPr marL="1219170" indent="0">
+            <a:lvl3pPr marL="755934" indent="0">
               <a:buNone/>
-              <a:defRPr sz="1600"/>
+              <a:defRPr sz="992"/>
             </a:lvl3pPr>
-            <a:lvl4pPr marL="1828754" indent="0">
+            <a:lvl4pPr marL="1133902" indent="0">
               <a:buNone/>
-              <a:defRPr sz="1333"/>
+              <a:defRPr sz="827"/>
             </a:lvl4pPr>
-            <a:lvl5pPr marL="2438339" indent="0">
+            <a:lvl5pPr marL="1511869" indent="0">
               <a:buNone/>
-              <a:defRPr sz="1333"/>
+              <a:defRPr sz="827"/>
             </a:lvl5pPr>
-            <a:lvl6pPr marL="3047924" indent="0">
+            <a:lvl6pPr marL="1889836" indent="0">
               <a:buNone/>
-              <a:defRPr sz="1333"/>
+              <a:defRPr sz="827"/>
             </a:lvl6pPr>
-            <a:lvl7pPr marL="3657509" indent="0">
+            <a:lvl7pPr marL="2267803" indent="0">
               <a:buNone/>
-              <a:defRPr sz="1333"/>
+              <a:defRPr sz="827"/>
             </a:lvl7pPr>
-            <a:lvl8pPr marL="4267093" indent="0">
+            <a:lvl8pPr marL="2645771" indent="0">
               <a:buNone/>
-              <a:defRPr sz="1333"/>
+              <a:defRPr sz="827"/>
             </a:lvl8pPr>
-            <a:lvl9pPr marL="4876678" indent="0">
+            <a:lvl9pPr marL="3023738" indent="0">
               <a:buNone/>
-              <a:defRPr sz="1333"/>
+              <a:defRPr sz="827"/>
             </a:lvl9pPr>
           </a:lstStyle>
           <a:p>
@@ -2097,7 +2097,7 @@
           <a:p>
             <a:fld id="{84BD7C8B-36D3-466B-917C-BF3CFA95D07A}" type="datetimeFigureOut">
               <a:rPr lang="de-DE" smtClean="0"/>
-              <a:t>21.09.2018</a:t>
+              <a:t>21.10.2018</a:t>
             </a:fld>
             <a:endParaRPr lang="de-DE"/>
           </a:p>
@@ -2148,7 +2148,7 @@
     </p:spTree>
     <p:extLst>
       <p:ext uri="{BB962C8B-B14F-4D97-AF65-F5344CB8AC3E}">
-        <p14:creationId xmlns:p14="http://schemas.microsoft.com/office/powerpoint/2010/main" val="3238505730"/>
+        <p14:creationId xmlns:p14="http://schemas.microsoft.com/office/powerpoint/2010/main" val="966415945"/>
       </p:ext>
     </p:extLst>
   </p:cSld>
@@ -2187,15 +2187,15 @@
         </p:nvSpPr>
         <p:spPr>
           <a:xfrm>
-            <a:off x="839788" y="1083733"/>
-            <a:ext cx="3932237" cy="3793067"/>
+            <a:off x="520712" y="712788"/>
+            <a:ext cx="2438192" cy="2494756"/>
           </a:xfrm>
         </p:spPr>
         <p:txBody>
           <a:bodyPr anchor="b"/>
           <a:lstStyle>
             <a:lvl1pPr>
-              <a:defRPr sz="4267"/>
+              <a:defRPr sz="2645"/>
             </a:lvl1pPr>
           </a:lstStyle>
           <a:p>
@@ -2219,8 +2219,8 @@
         </p:nvSpPr>
         <p:spPr>
           <a:xfrm>
-            <a:off x="5183188" y="2340567"/>
-            <a:ext cx="6172200" cy="11552296"/>
+            <a:off x="3213847" y="1539425"/>
+            <a:ext cx="3827085" cy="7598117"/>
           </a:xfrm>
         </p:spPr>
         <p:txBody>
@@ -2228,39 +2228,39 @@
           <a:lstStyle>
             <a:lvl1pPr marL="0" indent="0">
               <a:buNone/>
-              <a:defRPr sz="4267"/>
+              <a:defRPr sz="2645"/>
             </a:lvl1pPr>
-            <a:lvl2pPr marL="609585" indent="0">
+            <a:lvl2pPr marL="377967" indent="0">
               <a:buNone/>
-              <a:defRPr sz="3733"/>
+              <a:defRPr sz="2315"/>
             </a:lvl2pPr>
-            <a:lvl3pPr marL="1219170" indent="0">
+            <a:lvl3pPr marL="755934" indent="0">
               <a:buNone/>
-              <a:defRPr sz="3200"/>
+              <a:defRPr sz="1984"/>
             </a:lvl3pPr>
-            <a:lvl4pPr marL="1828754" indent="0">
+            <a:lvl4pPr marL="1133902" indent="0">
               <a:buNone/>
-              <a:defRPr sz="2667"/>
+              <a:defRPr sz="1653"/>
             </a:lvl4pPr>
-            <a:lvl5pPr marL="2438339" indent="0">
+            <a:lvl5pPr marL="1511869" indent="0">
               <a:buNone/>
-              <a:defRPr sz="2667"/>
+              <a:defRPr sz="1653"/>
             </a:lvl5pPr>
-            <a:lvl6pPr marL="3047924" indent="0">
+            <a:lvl6pPr marL="1889836" indent="0">
               <a:buNone/>
-              <a:defRPr sz="2667"/>
+              <a:defRPr sz="1653"/>
             </a:lvl6pPr>
-            <a:lvl7pPr marL="3657509" indent="0">
+            <a:lvl7pPr marL="2267803" indent="0">
               <a:buNone/>
-              <a:defRPr sz="2667"/>
+              <a:defRPr sz="1653"/>
             </a:lvl7pPr>
-            <a:lvl8pPr marL="4267093" indent="0">
+            <a:lvl8pPr marL="2645771" indent="0">
               <a:buNone/>
-              <a:defRPr sz="2667"/>
+              <a:defRPr sz="1653"/>
             </a:lvl8pPr>
-            <a:lvl9pPr marL="4876678" indent="0">
+            <a:lvl9pPr marL="3023738" indent="0">
               <a:buNone/>
-              <a:defRPr sz="2667"/>
+              <a:defRPr sz="1653"/>
             </a:lvl9pPr>
           </a:lstStyle>
           <a:p>
@@ -2284,8 +2284,8 @@
         </p:nvSpPr>
         <p:spPr>
           <a:xfrm>
-            <a:off x="839788" y="4876800"/>
-            <a:ext cx="3932237" cy="9034875"/>
+            <a:off x="520712" y="3207544"/>
+            <a:ext cx="2438192" cy="5942372"/>
           </a:xfrm>
         </p:spPr>
         <p:txBody>
@@ -2293,39 +2293,39 @@
           <a:lstStyle>
             <a:lvl1pPr marL="0" indent="0">
               <a:buNone/>
-              <a:defRPr sz="2133"/>
+              <a:defRPr sz="1323"/>
             </a:lvl1pPr>
-            <a:lvl2pPr marL="609585" indent="0">
+            <a:lvl2pPr marL="377967" indent="0">
               <a:buNone/>
-              <a:defRPr sz="1867"/>
+              <a:defRPr sz="1157"/>
             </a:lvl2pPr>
-            <a:lvl3pPr marL="1219170" indent="0">
+            <a:lvl3pPr marL="755934" indent="0">
               <a:buNone/>
-              <a:defRPr sz="1600"/>
+              <a:defRPr sz="992"/>
             </a:lvl3pPr>
-            <a:lvl4pPr marL="1828754" indent="0">
+            <a:lvl4pPr marL="1133902" indent="0">
               <a:buNone/>
-              <a:defRPr sz="1333"/>
+              <a:defRPr sz="827"/>
             </a:lvl4pPr>
-            <a:lvl5pPr marL="2438339" indent="0">
+            <a:lvl5pPr marL="1511869" indent="0">
               <a:buNone/>
-              <a:defRPr sz="1333"/>
+              <a:defRPr sz="827"/>
             </a:lvl5pPr>
-            <a:lvl6pPr marL="3047924" indent="0">
+            <a:lvl6pPr marL="1889836" indent="0">
               <a:buNone/>
-              <a:defRPr sz="1333"/>
+              <a:defRPr sz="827"/>
             </a:lvl6pPr>
-            <a:lvl7pPr marL="3657509" indent="0">
+            <a:lvl7pPr marL="2267803" indent="0">
               <a:buNone/>
-              <a:defRPr sz="1333"/>
+              <a:defRPr sz="827"/>
             </a:lvl7pPr>
-            <a:lvl8pPr marL="4267093" indent="0">
+            <a:lvl8pPr marL="2645771" indent="0">
               <a:buNone/>
-              <a:defRPr sz="1333"/>
+              <a:defRPr sz="827"/>
             </a:lvl8pPr>
-            <a:lvl9pPr marL="4876678" indent="0">
+            <a:lvl9pPr marL="3023738" indent="0">
               <a:buNone/>
-              <a:defRPr sz="1333"/>
+              <a:defRPr sz="827"/>
             </a:lvl9pPr>
           </a:lstStyle>
           <a:p>
@@ -2354,7 +2354,7 @@
           <a:p>
             <a:fld id="{84BD7C8B-36D3-466B-917C-BF3CFA95D07A}" type="datetimeFigureOut">
               <a:rPr lang="de-DE" smtClean="0"/>
-              <a:t>21.09.2018</a:t>
+              <a:t>21.10.2018</a:t>
             </a:fld>
             <a:endParaRPr lang="de-DE"/>
           </a:p>
@@ -2405,7 +2405,7 @@
     </p:spTree>
     <p:extLst>
       <p:ext uri="{BB962C8B-B14F-4D97-AF65-F5344CB8AC3E}">
-        <p14:creationId xmlns:p14="http://schemas.microsoft.com/office/powerpoint/2010/main" val="3375451697"/>
+        <p14:creationId xmlns:p14="http://schemas.microsoft.com/office/powerpoint/2010/main" val="1571916218"/>
       </p:ext>
     </p:extLst>
   </p:cSld>
@@ -2449,8 +2449,8 @@
         </p:nvSpPr>
         <p:spPr>
           <a:xfrm>
-            <a:off x="838200" y="865485"/>
-            <a:ext cx="10515600" cy="3142075"/>
+            <a:off x="519728" y="569242"/>
+            <a:ext cx="6520220" cy="2066590"/>
           </a:xfrm>
           <a:prstGeom prst="rect">
             <a:avLst/>
@@ -2482,8 +2482,8 @@
         </p:nvSpPr>
         <p:spPr>
           <a:xfrm>
-            <a:off x="838200" y="4327407"/>
-            <a:ext cx="10515600" cy="10314283"/>
+            <a:off x="519728" y="2846200"/>
+            <a:ext cx="6520220" cy="6783857"/>
           </a:xfrm>
           <a:prstGeom prst="rect">
             <a:avLst/>
@@ -2544,8 +2544,8 @@
         </p:nvSpPr>
         <p:spPr>
           <a:xfrm>
-            <a:off x="838200" y="15066908"/>
-            <a:ext cx="2743200" cy="865481"/>
+            <a:off x="519728" y="9909729"/>
+            <a:ext cx="1700927" cy="569240"/>
           </a:xfrm>
           <a:prstGeom prst="rect">
             <a:avLst/>
@@ -2555,7 +2555,7 @@
           <a:bodyPr vert="horz" lIns="91440" tIns="45720" rIns="91440" bIns="45720" rtlCol="0" anchor="ctr"/>
           <a:lstStyle>
             <a:lvl1pPr algn="l">
-              <a:defRPr sz="1600">
+              <a:defRPr sz="992">
                 <a:solidFill>
                   <a:schemeClr val="tx1">
                     <a:tint val="75000"/>
@@ -2567,7 +2567,7 @@
           <a:p>
             <a:fld id="{84BD7C8B-36D3-466B-917C-BF3CFA95D07A}" type="datetimeFigureOut">
               <a:rPr lang="de-DE" smtClean="0"/>
-              <a:t>21.09.2018</a:t>
+              <a:t>21.10.2018</a:t>
             </a:fld>
             <a:endParaRPr lang="de-DE"/>
           </a:p>
@@ -2585,8 +2585,8 @@
         </p:nvSpPr>
         <p:spPr>
           <a:xfrm>
-            <a:off x="4038600" y="15066908"/>
-            <a:ext cx="4114800" cy="865481"/>
+            <a:off x="2504143" y="9909729"/>
+            <a:ext cx="2551390" cy="569240"/>
           </a:xfrm>
           <a:prstGeom prst="rect">
             <a:avLst/>
@@ -2596,7 +2596,7 @@
           <a:bodyPr vert="horz" lIns="91440" tIns="45720" rIns="91440" bIns="45720" rtlCol="0" anchor="ctr"/>
           <a:lstStyle>
             <a:lvl1pPr algn="ctr">
-              <a:defRPr sz="1600">
+              <a:defRPr sz="992">
                 <a:solidFill>
                   <a:schemeClr val="tx1">
                     <a:tint val="75000"/>
@@ -2622,8 +2622,8 @@
         </p:nvSpPr>
         <p:spPr>
           <a:xfrm>
-            <a:off x="8610600" y="15066908"/>
-            <a:ext cx="2743200" cy="865481"/>
+            <a:off x="5339020" y="9909729"/>
+            <a:ext cx="1700927" cy="569240"/>
           </a:xfrm>
           <a:prstGeom prst="rect">
             <a:avLst/>
@@ -2633,7 +2633,7 @@
           <a:bodyPr vert="horz" lIns="91440" tIns="45720" rIns="91440" bIns="45720" rtlCol="0" anchor="ctr"/>
           <a:lstStyle>
             <a:lvl1pPr algn="r">
-              <a:defRPr sz="1600">
+              <a:defRPr sz="992">
                 <a:solidFill>
                   <a:schemeClr val="tx1">
                     <a:tint val="75000"/>
@@ -2654,27 +2654,27 @@
     </p:spTree>
     <p:extLst>
       <p:ext uri="{BB962C8B-B14F-4D97-AF65-F5344CB8AC3E}">
-        <p14:creationId xmlns:p14="http://schemas.microsoft.com/office/powerpoint/2010/main" val="2343465959"/>
+        <p14:creationId xmlns:p14="http://schemas.microsoft.com/office/powerpoint/2010/main" val="1284277107"/>
       </p:ext>
     </p:extLst>
   </p:cSld>
   <p:clrMap bg1="lt1" tx1="dk1" bg2="lt2" tx2="dk2" accent1="accent1" accent2="accent2" accent3="accent3" accent4="accent4" accent5="accent5" accent6="accent6" hlink="hlink" folHlink="folHlink"/>
   <p:sldLayoutIdLst>
-    <p:sldLayoutId id="2147483685" r:id="rId1"/>
-    <p:sldLayoutId id="2147483686" r:id="rId2"/>
-    <p:sldLayoutId id="2147483687" r:id="rId3"/>
-    <p:sldLayoutId id="2147483688" r:id="rId4"/>
-    <p:sldLayoutId id="2147483689" r:id="rId5"/>
-    <p:sldLayoutId id="2147483690" r:id="rId6"/>
-    <p:sldLayoutId id="2147483691" r:id="rId7"/>
-    <p:sldLayoutId id="2147483692" r:id="rId8"/>
-    <p:sldLayoutId id="2147483693" r:id="rId9"/>
-    <p:sldLayoutId id="2147483694" r:id="rId10"/>
-    <p:sldLayoutId id="2147483695" r:id="rId11"/>
+    <p:sldLayoutId id="2147483697" r:id="rId1"/>
+    <p:sldLayoutId id="2147483698" r:id="rId2"/>
+    <p:sldLayoutId id="2147483699" r:id="rId3"/>
+    <p:sldLayoutId id="2147483700" r:id="rId4"/>
+    <p:sldLayoutId id="2147483701" r:id="rId5"/>
+    <p:sldLayoutId id="2147483702" r:id="rId6"/>
+    <p:sldLayoutId id="2147483703" r:id="rId7"/>
+    <p:sldLayoutId id="2147483704" r:id="rId8"/>
+    <p:sldLayoutId id="2147483705" r:id="rId9"/>
+    <p:sldLayoutId id="2147483706" r:id="rId10"/>
+    <p:sldLayoutId id="2147483707" r:id="rId11"/>
   </p:sldLayoutIdLst>
   <p:txStyles>
     <p:titleStyle>
-      <a:lvl1pPr algn="l" defTabSz="1219170" rtl="0" eaLnBrk="1" latinLnBrk="0" hangingPunct="1">
+      <a:lvl1pPr algn="l" defTabSz="755934" rtl="0" eaLnBrk="1" latinLnBrk="0" hangingPunct="1">
         <a:lnSpc>
           <a:spcPct val="90000"/>
         </a:lnSpc>
@@ -2682,7 +2682,7 @@
           <a:spcPct val="0"/>
         </a:spcBef>
         <a:buNone/>
-        <a:defRPr sz="5867" kern="1200">
+        <a:defRPr sz="3637" kern="1200">
           <a:solidFill>
             <a:schemeClr val="tx1"/>
           </a:solidFill>
@@ -2693,16 +2693,16 @@
       </a:lvl1pPr>
     </p:titleStyle>
     <p:bodyStyle>
-      <a:lvl1pPr marL="304792" indent="-304792" algn="l" defTabSz="1219170" rtl="0" eaLnBrk="1" latinLnBrk="0" hangingPunct="1">
+      <a:lvl1pPr marL="188984" indent="-188984" algn="l" defTabSz="755934" rtl="0" eaLnBrk="1" latinLnBrk="0" hangingPunct="1">
         <a:lnSpc>
           <a:spcPct val="90000"/>
         </a:lnSpc>
         <a:spcBef>
-          <a:spcPts val="1333"/>
+          <a:spcPts val="827"/>
         </a:spcBef>
         <a:buFont typeface="Arial" panose="020B0604020202020204" pitchFamily="34" charset="0"/>
         <a:buChar char="•"/>
-        <a:defRPr sz="3733" kern="1200">
+        <a:defRPr sz="2315" kern="1200">
           <a:solidFill>
             <a:schemeClr val="tx1"/>
           </a:solidFill>
@@ -2711,16 +2711,16 @@
           <a:cs typeface="+mn-cs"/>
         </a:defRPr>
       </a:lvl1pPr>
-      <a:lvl2pPr marL="914377" indent="-304792" algn="l" defTabSz="1219170" rtl="0" eaLnBrk="1" latinLnBrk="0" hangingPunct="1">
+      <a:lvl2pPr marL="566951" indent="-188984" algn="l" defTabSz="755934" rtl="0" eaLnBrk="1" latinLnBrk="0" hangingPunct="1">
         <a:lnSpc>
           <a:spcPct val="90000"/>
         </a:lnSpc>
         <a:spcBef>
-          <a:spcPts val="667"/>
+          <a:spcPts val="413"/>
         </a:spcBef>
         <a:buFont typeface="Arial" panose="020B0604020202020204" pitchFamily="34" charset="0"/>
         <a:buChar char="•"/>
-        <a:defRPr sz="3200" kern="1200">
+        <a:defRPr sz="1984" kern="1200">
           <a:solidFill>
             <a:schemeClr val="tx1"/>
           </a:solidFill>
@@ -2729,16 +2729,16 @@
           <a:cs typeface="+mn-cs"/>
         </a:defRPr>
       </a:lvl2pPr>
-      <a:lvl3pPr marL="1523962" indent="-304792" algn="l" defTabSz="1219170" rtl="0" eaLnBrk="1" latinLnBrk="0" hangingPunct="1">
+      <a:lvl3pPr marL="944918" indent="-188984" algn="l" defTabSz="755934" rtl="0" eaLnBrk="1" latinLnBrk="0" hangingPunct="1">
         <a:lnSpc>
           <a:spcPct val="90000"/>
         </a:lnSpc>
         <a:spcBef>
-          <a:spcPts val="667"/>
+          <a:spcPts val="413"/>
         </a:spcBef>
         <a:buFont typeface="Arial" panose="020B0604020202020204" pitchFamily="34" charset="0"/>
         <a:buChar char="•"/>
-        <a:defRPr sz="2667" kern="1200">
+        <a:defRPr sz="1653" kern="1200">
           <a:solidFill>
             <a:schemeClr val="tx1"/>
           </a:solidFill>
@@ -2747,16 +2747,16 @@
           <a:cs typeface="+mn-cs"/>
         </a:defRPr>
       </a:lvl3pPr>
-      <a:lvl4pPr marL="2133547" indent="-304792" algn="l" defTabSz="1219170" rtl="0" eaLnBrk="1" latinLnBrk="0" hangingPunct="1">
+      <a:lvl4pPr marL="1322885" indent="-188984" algn="l" defTabSz="755934" rtl="0" eaLnBrk="1" latinLnBrk="0" hangingPunct="1">
         <a:lnSpc>
           <a:spcPct val="90000"/>
         </a:lnSpc>
         <a:spcBef>
-          <a:spcPts val="667"/>
+          <a:spcPts val="413"/>
         </a:spcBef>
         <a:buFont typeface="Arial" panose="020B0604020202020204" pitchFamily="34" charset="0"/>
         <a:buChar char="•"/>
-        <a:defRPr sz="2400" kern="1200">
+        <a:defRPr sz="1488" kern="1200">
           <a:solidFill>
             <a:schemeClr val="tx1"/>
           </a:solidFill>
@@ -2765,16 +2765,16 @@
           <a:cs typeface="+mn-cs"/>
         </a:defRPr>
       </a:lvl4pPr>
-      <a:lvl5pPr marL="2743131" indent="-304792" algn="l" defTabSz="1219170" rtl="0" eaLnBrk="1" latinLnBrk="0" hangingPunct="1">
+      <a:lvl5pPr marL="1700853" indent="-188984" algn="l" defTabSz="755934" rtl="0" eaLnBrk="1" latinLnBrk="0" hangingPunct="1">
         <a:lnSpc>
           <a:spcPct val="90000"/>
         </a:lnSpc>
         <a:spcBef>
-          <a:spcPts val="667"/>
+          <a:spcPts val="413"/>
         </a:spcBef>
         <a:buFont typeface="Arial" panose="020B0604020202020204" pitchFamily="34" charset="0"/>
         <a:buChar char="•"/>
-        <a:defRPr sz="2400" kern="1200">
+        <a:defRPr sz="1488" kern="1200">
           <a:solidFill>
             <a:schemeClr val="tx1"/>
           </a:solidFill>
@@ -2783,16 +2783,16 @@
           <a:cs typeface="+mn-cs"/>
         </a:defRPr>
       </a:lvl5pPr>
-      <a:lvl6pPr marL="3352716" indent="-304792" algn="l" defTabSz="1219170" rtl="0" eaLnBrk="1" latinLnBrk="0" hangingPunct="1">
+      <a:lvl6pPr marL="2078820" indent="-188984" algn="l" defTabSz="755934" rtl="0" eaLnBrk="1" latinLnBrk="0" hangingPunct="1">
         <a:lnSpc>
           <a:spcPct val="90000"/>
         </a:lnSpc>
         <a:spcBef>
-          <a:spcPts val="667"/>
+          <a:spcPts val="413"/>
         </a:spcBef>
         <a:buFont typeface="Arial" panose="020B0604020202020204" pitchFamily="34" charset="0"/>
         <a:buChar char="•"/>
-        <a:defRPr sz="2400" kern="1200">
+        <a:defRPr sz="1488" kern="1200">
           <a:solidFill>
             <a:schemeClr val="tx1"/>
           </a:solidFill>
@@ -2801,16 +2801,16 @@
           <a:cs typeface="+mn-cs"/>
         </a:defRPr>
       </a:lvl6pPr>
-      <a:lvl7pPr marL="3962301" indent="-304792" algn="l" defTabSz="1219170" rtl="0" eaLnBrk="1" latinLnBrk="0" hangingPunct="1">
+      <a:lvl7pPr marL="2456787" indent="-188984" algn="l" defTabSz="755934" rtl="0" eaLnBrk="1" latinLnBrk="0" hangingPunct="1">
         <a:lnSpc>
           <a:spcPct val="90000"/>
         </a:lnSpc>
         <a:spcBef>
-          <a:spcPts val="667"/>
+          <a:spcPts val="413"/>
         </a:spcBef>
         <a:buFont typeface="Arial" panose="020B0604020202020204" pitchFamily="34" charset="0"/>
         <a:buChar char="•"/>
-        <a:defRPr sz="2400" kern="1200">
+        <a:defRPr sz="1488" kern="1200">
           <a:solidFill>
             <a:schemeClr val="tx1"/>
           </a:solidFill>
@@ -2819,16 +2819,16 @@
           <a:cs typeface="+mn-cs"/>
         </a:defRPr>
       </a:lvl7pPr>
-      <a:lvl8pPr marL="4571886" indent="-304792" algn="l" defTabSz="1219170" rtl="0" eaLnBrk="1" latinLnBrk="0" hangingPunct="1">
+      <a:lvl8pPr marL="2834754" indent="-188984" algn="l" defTabSz="755934" rtl="0" eaLnBrk="1" latinLnBrk="0" hangingPunct="1">
         <a:lnSpc>
           <a:spcPct val="90000"/>
         </a:lnSpc>
         <a:spcBef>
-          <a:spcPts val="667"/>
+          <a:spcPts val="413"/>
         </a:spcBef>
         <a:buFont typeface="Arial" panose="020B0604020202020204" pitchFamily="34" charset="0"/>
         <a:buChar char="•"/>
-        <a:defRPr sz="2400" kern="1200">
+        <a:defRPr sz="1488" kern="1200">
           <a:solidFill>
             <a:schemeClr val="tx1"/>
           </a:solidFill>
@@ -2837,16 +2837,16 @@
           <a:cs typeface="+mn-cs"/>
         </a:defRPr>
       </a:lvl8pPr>
-      <a:lvl9pPr marL="5181470" indent="-304792" algn="l" defTabSz="1219170" rtl="0" eaLnBrk="1" latinLnBrk="0" hangingPunct="1">
+      <a:lvl9pPr marL="3212722" indent="-188984" algn="l" defTabSz="755934" rtl="0" eaLnBrk="1" latinLnBrk="0" hangingPunct="1">
         <a:lnSpc>
           <a:spcPct val="90000"/>
         </a:lnSpc>
         <a:spcBef>
-          <a:spcPts val="667"/>
+          <a:spcPts val="413"/>
         </a:spcBef>
         <a:buFont typeface="Arial" panose="020B0604020202020204" pitchFamily="34" charset="0"/>
         <a:buChar char="•"/>
-        <a:defRPr sz="2400" kern="1200">
+        <a:defRPr sz="1488" kern="1200">
           <a:solidFill>
             <a:schemeClr val="tx1"/>
           </a:solidFill>
@@ -2860,8 +2860,8 @@
       <a:defPPr>
         <a:defRPr lang="en-US"/>
       </a:defPPr>
-      <a:lvl1pPr marL="0" algn="l" defTabSz="1219170" rtl="0" eaLnBrk="1" latinLnBrk="0" hangingPunct="1">
-        <a:defRPr sz="2400" kern="1200">
+      <a:lvl1pPr marL="0" algn="l" defTabSz="755934" rtl="0" eaLnBrk="1" latinLnBrk="0" hangingPunct="1">
+        <a:defRPr sz="1488" kern="1200">
           <a:solidFill>
             <a:schemeClr val="tx1"/>
           </a:solidFill>
@@ -2870,8 +2870,8 @@
           <a:cs typeface="+mn-cs"/>
         </a:defRPr>
       </a:lvl1pPr>
-      <a:lvl2pPr marL="609585" algn="l" defTabSz="1219170" rtl="0" eaLnBrk="1" latinLnBrk="0" hangingPunct="1">
-        <a:defRPr sz="2400" kern="1200">
+      <a:lvl2pPr marL="377967" algn="l" defTabSz="755934" rtl="0" eaLnBrk="1" latinLnBrk="0" hangingPunct="1">
+        <a:defRPr sz="1488" kern="1200">
           <a:solidFill>
             <a:schemeClr val="tx1"/>
           </a:solidFill>
@@ -2880,8 +2880,8 @@
           <a:cs typeface="+mn-cs"/>
         </a:defRPr>
       </a:lvl2pPr>
-      <a:lvl3pPr marL="1219170" algn="l" defTabSz="1219170" rtl="0" eaLnBrk="1" latinLnBrk="0" hangingPunct="1">
-        <a:defRPr sz="2400" kern="1200">
+      <a:lvl3pPr marL="755934" algn="l" defTabSz="755934" rtl="0" eaLnBrk="1" latinLnBrk="0" hangingPunct="1">
+        <a:defRPr sz="1488" kern="1200">
           <a:solidFill>
             <a:schemeClr val="tx1"/>
           </a:solidFill>
@@ -2890,8 +2890,8 @@
           <a:cs typeface="+mn-cs"/>
         </a:defRPr>
       </a:lvl3pPr>
-      <a:lvl4pPr marL="1828754" algn="l" defTabSz="1219170" rtl="0" eaLnBrk="1" latinLnBrk="0" hangingPunct="1">
-        <a:defRPr sz="2400" kern="1200">
+      <a:lvl4pPr marL="1133902" algn="l" defTabSz="755934" rtl="0" eaLnBrk="1" latinLnBrk="0" hangingPunct="1">
+        <a:defRPr sz="1488" kern="1200">
           <a:solidFill>
             <a:schemeClr val="tx1"/>
           </a:solidFill>
@@ -2900,8 +2900,8 @@
           <a:cs typeface="+mn-cs"/>
         </a:defRPr>
       </a:lvl4pPr>
-      <a:lvl5pPr marL="2438339" algn="l" defTabSz="1219170" rtl="0" eaLnBrk="1" latinLnBrk="0" hangingPunct="1">
-        <a:defRPr sz="2400" kern="1200">
+      <a:lvl5pPr marL="1511869" algn="l" defTabSz="755934" rtl="0" eaLnBrk="1" latinLnBrk="0" hangingPunct="1">
+        <a:defRPr sz="1488" kern="1200">
           <a:solidFill>
             <a:schemeClr val="tx1"/>
           </a:solidFill>
@@ -2910,8 +2910,8 @@
           <a:cs typeface="+mn-cs"/>
         </a:defRPr>
       </a:lvl5pPr>
-      <a:lvl6pPr marL="3047924" algn="l" defTabSz="1219170" rtl="0" eaLnBrk="1" latinLnBrk="0" hangingPunct="1">
-        <a:defRPr sz="2400" kern="1200">
+      <a:lvl6pPr marL="1889836" algn="l" defTabSz="755934" rtl="0" eaLnBrk="1" latinLnBrk="0" hangingPunct="1">
+        <a:defRPr sz="1488" kern="1200">
           <a:solidFill>
             <a:schemeClr val="tx1"/>
           </a:solidFill>
@@ -2920,8 +2920,8 @@
           <a:cs typeface="+mn-cs"/>
         </a:defRPr>
       </a:lvl6pPr>
-      <a:lvl7pPr marL="3657509" algn="l" defTabSz="1219170" rtl="0" eaLnBrk="1" latinLnBrk="0" hangingPunct="1">
-        <a:defRPr sz="2400" kern="1200">
+      <a:lvl7pPr marL="2267803" algn="l" defTabSz="755934" rtl="0" eaLnBrk="1" latinLnBrk="0" hangingPunct="1">
+        <a:defRPr sz="1488" kern="1200">
           <a:solidFill>
             <a:schemeClr val="tx1"/>
           </a:solidFill>
@@ -2930,8 +2930,8 @@
           <a:cs typeface="+mn-cs"/>
         </a:defRPr>
       </a:lvl7pPr>
-      <a:lvl8pPr marL="4267093" algn="l" defTabSz="1219170" rtl="0" eaLnBrk="1" latinLnBrk="0" hangingPunct="1">
-        <a:defRPr sz="2400" kern="1200">
+      <a:lvl8pPr marL="2645771" algn="l" defTabSz="755934" rtl="0" eaLnBrk="1" latinLnBrk="0" hangingPunct="1">
+        <a:defRPr sz="1488" kern="1200">
           <a:solidFill>
             <a:schemeClr val="tx1"/>
           </a:solidFill>
@@ -2940,8 +2940,8 @@
           <a:cs typeface="+mn-cs"/>
         </a:defRPr>
       </a:lvl8pPr>
-      <a:lvl9pPr marL="4876678" algn="l" defTabSz="1219170" rtl="0" eaLnBrk="1" latinLnBrk="0" hangingPunct="1">
-        <a:defRPr sz="2400" kern="1200">
+      <a:lvl9pPr marL="3023738" algn="l" defTabSz="755934" rtl="0" eaLnBrk="1" latinLnBrk="0" hangingPunct="1">
+        <a:defRPr sz="1488" kern="1200">
           <a:solidFill>
             <a:schemeClr val="tx1"/>
           </a:solidFill>
@@ -2986,8 +2986,8 @@
         </p:nvSpPr>
         <p:spPr>
           <a:xfrm>
-            <a:off x="3105236" y="7625710"/>
-            <a:ext cx="1097280" cy="600892"/>
+            <a:off x="1925407" y="5034460"/>
+            <a:ext cx="680371" cy="372584"/>
           </a:xfrm>
           <a:prstGeom prst="flowChartMagneticDisk">
             <a:avLst/>
@@ -3013,12 +3013,12 @@
           </a:fontRef>
         </p:style>
         <p:txBody>
-          <a:bodyPr lIns="36000" tIns="36000" rIns="36000" bIns="36000" rtlCol="0" anchor="ctr"/>
+          <a:bodyPr lIns="22322" tIns="22322" rIns="22322" bIns="22322" rtlCol="0" anchor="ctr"/>
           <a:lstStyle/>
           <a:p>
             <a:pPr algn="ctr"/>
             <a:r>
-              <a:rPr lang="de-DE" sz="1000" dirty="0">
+              <a:rPr lang="de-DE" sz="620" dirty="0">
                 <a:solidFill>
                   <a:schemeClr val="tx1">
                     <a:lumMod val="65000"/>
@@ -3045,8 +3045,8 @@
         </p:nvSpPr>
         <p:spPr>
           <a:xfrm>
-            <a:off x="3105236" y="7116259"/>
-            <a:ext cx="1097280" cy="600892"/>
+            <a:off x="1925407" y="4718574"/>
+            <a:ext cx="680371" cy="372584"/>
           </a:xfrm>
           <a:prstGeom prst="flowChartMagneticDisk">
             <a:avLst/>
@@ -3072,12 +3072,12 @@
           </a:fontRef>
         </p:style>
         <p:txBody>
-          <a:bodyPr lIns="36000" tIns="36000" rIns="36000" bIns="36000" rtlCol="0" anchor="ctr"/>
+          <a:bodyPr lIns="22322" tIns="22322" rIns="22322" bIns="22322" rtlCol="0" anchor="ctr"/>
           <a:lstStyle/>
           <a:p>
             <a:pPr algn="ctr"/>
             <a:r>
-              <a:rPr lang="de-DE" sz="1000" dirty="0">
+              <a:rPr lang="de-DE" sz="620" dirty="0">
                 <a:solidFill>
                   <a:schemeClr val="tx1">
                     <a:lumMod val="65000"/>
@@ -3104,8 +3104,8 @@
         </p:nvSpPr>
         <p:spPr>
           <a:xfrm>
-            <a:off x="2843560" y="5935092"/>
-            <a:ext cx="4255682" cy="426720"/>
+            <a:off x="1763155" y="3986189"/>
+            <a:ext cx="2638744" cy="264589"/>
           </a:xfrm>
           <a:prstGeom prst="rect">
             <a:avLst/>
@@ -3136,7 +3136,7 @@
           <a:p>
             <a:pPr algn="ctr"/>
             <a:r>
-              <a:rPr lang="de-DE" sz="1200" dirty="0">
+              <a:rPr lang="de-DE" sz="744" dirty="0">
                 <a:solidFill>
                   <a:schemeClr val="tx1">
                     <a:lumMod val="65000"/>
@@ -3163,11 +3163,13 @@
         </p:nvSpPr>
         <p:spPr>
           <a:xfrm>
-            <a:off x="7247707" y="3204931"/>
-            <a:ext cx="1505461" cy="1214364"/>
+            <a:off x="2483893" y="2792284"/>
+            <a:ext cx="810820" cy="566871"/>
           </a:xfrm>
           <a:prstGeom prst="triangle">
-            <a:avLst/>
+            <a:avLst>
+              <a:gd name="adj" fmla="val 50000"/>
+            </a:avLst>
           </a:prstGeom>
           <a:solidFill>
             <a:schemeClr val="bg1"/>
@@ -3195,7 +3197,7 @@
           <a:p>
             <a:pPr algn="ctr"/>
             <a:r>
-              <a:rPr lang="de-DE" sz="1000" dirty="0">
+              <a:rPr lang="de-DE" sz="620" dirty="0">
                 <a:solidFill>
                   <a:schemeClr val="tx1">
                     <a:lumMod val="65000"/>
@@ -3222,8 +3224,8 @@
         </p:nvSpPr>
         <p:spPr>
           <a:xfrm>
-            <a:off x="2809567" y="6782209"/>
-            <a:ext cx="4289673" cy="2691581"/>
+            <a:off x="1742078" y="4511446"/>
+            <a:ext cx="2659821" cy="1668920"/>
           </a:xfrm>
           <a:prstGeom prst="rect">
             <a:avLst/>
@@ -3251,7 +3253,7 @@
           <a:lstStyle/>
           <a:p>
             <a:pPr algn="ctr"/>
-            <a:endParaRPr lang="de-DE"/>
+            <a:endParaRPr lang="de-DE" sz="716"/>
           </a:p>
         </p:txBody>
       </p:sp>
@@ -3269,8 +3271,8 @@
         </p:nvSpPr>
         <p:spPr>
           <a:xfrm>
-            <a:off x="2744393" y="6563675"/>
-            <a:ext cx="2227008" cy="215444"/>
+            <a:off x="1695918" y="4506333"/>
+            <a:ext cx="1915199" cy="168636"/>
           </a:xfrm>
           <a:prstGeom prst="rect">
             <a:avLst/>
@@ -3284,7 +3286,7 @@
           <a:lstStyle/>
           <a:p>
             <a:r>
-              <a:rPr lang="de-DE" sz="800" dirty="0"/>
+              <a:rPr lang="de-DE" sz="496" dirty="0"/>
               <a:t>DataFactory01-sqlserver.database.windows.net</a:t>
             </a:r>
           </a:p>
@@ -3304,8 +3306,8 @@
         </p:nvSpPr>
         <p:spPr>
           <a:xfrm>
-            <a:off x="2843559" y="5442351"/>
-            <a:ext cx="4255682" cy="426720"/>
+            <a:off x="1763154" y="3680664"/>
+            <a:ext cx="2638744" cy="264589"/>
           </a:xfrm>
           <a:prstGeom prst="rect">
             <a:avLst/>
@@ -3336,7 +3338,7 @@
           <a:p>
             <a:pPr algn="ctr"/>
             <a:r>
-              <a:rPr lang="de-DE" sz="1200" dirty="0">
+              <a:rPr lang="de-DE" sz="744" dirty="0">
                 <a:solidFill>
                   <a:schemeClr val="tx1">
                     <a:lumMod val="65000"/>
@@ -3363,8 +3365,8 @@
         </p:nvSpPr>
         <p:spPr>
           <a:xfrm>
-            <a:off x="2843558" y="4974266"/>
-            <a:ext cx="4255683" cy="426720"/>
+            <a:off x="1763154" y="3390426"/>
+            <a:ext cx="2638745" cy="264589"/>
           </a:xfrm>
           <a:prstGeom prst="rect">
             <a:avLst/>
@@ -3395,7 +3397,7 @@
           <a:p>
             <a:pPr algn="ctr"/>
             <a:r>
-              <a:rPr lang="de-DE" sz="1200" dirty="0">
+              <a:rPr lang="de-DE" sz="744" dirty="0">
                 <a:solidFill>
                   <a:schemeClr val="tx1">
                     <a:lumMod val="65000"/>
@@ -3422,8 +3424,8 @@
         </p:nvSpPr>
         <p:spPr>
           <a:xfrm>
-            <a:off x="56396" y="3992300"/>
-            <a:ext cx="2457502" cy="1408686"/>
+            <a:off x="53248" y="3572979"/>
+            <a:ext cx="1523779" cy="873459"/>
           </a:xfrm>
           <a:prstGeom prst="triangle">
             <a:avLst/>
@@ -3449,12 +3451,12 @@
           </a:fontRef>
         </p:style>
         <p:txBody>
-          <a:bodyPr lIns="36000" tIns="36000" rIns="36000" bIns="36000" rtlCol="0" anchor="ctr"/>
+          <a:bodyPr lIns="22322" tIns="22322" rIns="22322" bIns="22322" rtlCol="0" anchor="ctr"/>
           <a:lstStyle/>
           <a:p>
             <a:pPr algn="ctr"/>
             <a:r>
-              <a:rPr lang="de-DE" sz="1000" dirty="0">
+              <a:rPr lang="de-DE" sz="620" dirty="0">
                 <a:solidFill>
                   <a:schemeClr val="tx1">
                     <a:lumMod val="65000"/>
@@ -3468,7 +3470,7 @@
           <a:p>
             <a:pPr algn="ctr"/>
             <a:r>
-              <a:rPr lang="de-DE" sz="1000" dirty="0">
+              <a:rPr lang="de-DE" sz="620" dirty="0">
                 <a:solidFill>
                   <a:schemeClr val="tx1">
                     <a:lumMod val="65000"/>
@@ -3482,7 +3484,7 @@
           <a:p>
             <a:pPr algn="ctr"/>
             <a:r>
-              <a:rPr lang="de-DE" sz="1000" dirty="0">
+              <a:rPr lang="de-DE" sz="620" dirty="0">
                 <a:solidFill>
                   <a:schemeClr val="tx1">
                     <a:lumMod val="65000"/>
@@ -3509,8 +3511,8 @@
         </p:nvSpPr>
         <p:spPr>
           <a:xfrm>
-            <a:off x="560439" y="10228006"/>
-            <a:ext cx="9549580" cy="2739211"/>
+            <a:off x="347501" y="6648019"/>
+            <a:ext cx="5921237" cy="1240724"/>
           </a:xfrm>
           <a:prstGeom prst="rect">
             <a:avLst/>
@@ -3524,65 +3526,65 @@
           <a:lstStyle/>
           <a:p>
             <a:r>
-              <a:rPr lang="de-DE" b="1" dirty="0"/>
+              <a:rPr lang="de-DE" sz="716" b="1" dirty="0"/>
               <a:t>Regeln:</a:t>
             </a:r>
           </a:p>
           <a:p>
-            <a:pPr marL="342900" indent="-342900">
+            <a:pPr marL="212632" indent="-212632">
               <a:buAutoNum type="arabicPeriod"/>
             </a:pPr>
             <a:r>
-              <a:rPr lang="de-DE" dirty="0"/>
+              <a:rPr lang="de-DE" sz="716" dirty="0"/>
               <a:t>Kunden sollten DataFactory nur mit XLS Browser / Webbrowser / CSV Pivot nutzen</a:t>
             </a:r>
           </a:p>
           <a:p>
-            <a:pPr marL="342900" indent="-342900">
+            <a:pPr marL="212632" indent="-212632">
               <a:buAutoNum type="arabicPeriod"/>
             </a:pPr>
             <a:r>
-              <a:rPr lang="de-DE" dirty="0"/>
+              <a:rPr lang="de-DE" sz="716" dirty="0"/>
               <a:t>Kunden identifizieren sich immer AD B2C, es gibt nie für Kunden User auf SQL Server Ebene</a:t>
             </a:r>
           </a:p>
           <a:p>
-            <a:pPr marL="342900" indent="-342900">
+            <a:pPr marL="212632" indent="-212632">
               <a:buAutoNum type="arabicPeriod"/>
             </a:pPr>
-            <a:endParaRPr lang="de-DE" dirty="0"/>
-          </a:p>
-          <a:p>
-            <a:r>
-              <a:rPr lang="de-DE" b="1" dirty="0"/>
+            <a:endParaRPr lang="de-DE" sz="716" dirty="0"/>
+          </a:p>
+          <a:p>
+            <a:r>
+              <a:rPr lang="de-DE" sz="716" b="1" dirty="0"/>
               <a:t>Ausnahmen:</a:t>
             </a:r>
           </a:p>
           <a:p>
             <a:r>
-              <a:rPr lang="de-DE" dirty="0"/>
+              <a:rPr lang="de-DE" sz="716" dirty="0"/>
               <a:t>A1: Der Datenumfang für </a:t>
             </a:r>
             <a:r>
-              <a:rPr lang="de-DE" dirty="0" err="1"/>
+              <a:rPr lang="de-DE" sz="716" dirty="0" err="1"/>
               <a:t>Pivotabruf</a:t>
             </a:r>
             <a:r>
-              <a:rPr lang="de-DE" dirty="0"/>
+              <a:rPr lang="de-DE" sz="716" dirty="0"/>
               <a:t> liegt über 50k Zeilen – das funktioniert über CSV Download (meist) nicht, da </a:t>
             </a:r>
             <a:r>
-              <a:rPr lang="de-DE" dirty="0" err="1"/>
+              <a:rPr lang="de-DE" sz="716" dirty="0" err="1"/>
               <a:t>PowerQuery</a:t>
             </a:r>
             <a:r>
-              <a:rPr lang="de-DE" dirty="0"/>
+              <a:rPr lang="de-DE" sz="716" dirty="0"/>
               <a:t> die Prozedur etwa sieben mal aufruft und die Performance einbricht</a:t>
             </a:r>
           </a:p>
           <a:p>
             <a:r>
-              <a:rPr lang="de-DE" sz="1400" dirty="0">
+              <a:rPr lang="de-DE" sz="868" dirty="0">
                 <a:solidFill>
                   <a:schemeClr val="bg1">
                     <a:lumMod val="50000"/>
@@ -3592,7 +3594,7 @@
               <a:t>-&gt; der Kunde erhält ein Login (</a:t>
             </a:r>
             <a:r>
-              <a:rPr lang="de-DE" sz="1400" dirty="0" err="1">
+              <a:rPr lang="de-DE" sz="868" dirty="0" err="1">
                 <a:solidFill>
                   <a:schemeClr val="bg1">
                     <a:lumMod val="50000"/>
@@ -3602,7 +3604,7 @@
               <a:t>sxad</a:t>
             </a:r>
             <a:r>
-              <a:rPr lang="de-DE" sz="1400" dirty="0">
+              <a:rPr lang="de-DE" sz="868" dirty="0">
                 <a:solidFill>
                   <a:schemeClr val="bg1">
                     <a:lumMod val="50000"/>
@@ -3612,7 +3614,7 @@
               <a:t>.*) und Zugriffsrechte (</a:t>
             </a:r>
             <a:r>
-              <a:rPr lang="de-DE" sz="1400" dirty="0" err="1">
+              <a:rPr lang="de-DE" sz="868" dirty="0" err="1">
                 <a:solidFill>
                   <a:schemeClr val="bg1">
                     <a:lumMod val="50000"/>
@@ -3622,7 +3624,7 @@
               <a:t>pf_PlanningFactoryUser</a:t>
             </a:r>
             <a:r>
-              <a:rPr lang="de-DE" sz="1400" dirty="0">
+              <a:rPr lang="de-DE" sz="868" dirty="0">
                 <a:solidFill>
                   <a:schemeClr val="bg1">
                     <a:lumMod val="50000"/>
@@ -3632,7 +3634,7 @@
               <a:t>) in seiner Datenbank, er kann auf diese per SSMS und mit </a:t>
             </a:r>
             <a:r>
-              <a:rPr lang="de-DE" sz="1400" dirty="0" err="1">
+              <a:rPr lang="de-DE" sz="868" dirty="0" err="1">
                 <a:solidFill>
                   <a:schemeClr val="bg1">
                     <a:lumMod val="50000"/>
@@ -3642,7 +3644,7 @@
               <a:t>PowerQuery</a:t>
             </a:r>
             <a:r>
-              <a:rPr lang="de-DE" sz="1400" dirty="0">
+              <a:rPr lang="de-DE" sz="868" dirty="0">
                 <a:solidFill>
                   <a:schemeClr val="bg1">
                     <a:lumMod val="50000"/>
@@ -3653,7 +3655,7 @@
             </a:r>
           </a:p>
           <a:p>
-            <a:endParaRPr lang="de-DE" dirty="0"/>
+            <a:endParaRPr lang="de-DE" sz="716" dirty="0"/>
           </a:p>
         </p:txBody>
       </p:sp>
@@ -3675,8 +3677,8 @@
         </p:nvCxnSpPr>
         <p:spPr>
           <a:xfrm>
-            <a:off x="4202516" y="7416705"/>
-            <a:ext cx="3952150" cy="387242"/>
+            <a:off x="2605778" y="4904866"/>
+            <a:ext cx="2450539" cy="201556"/>
           </a:xfrm>
           <a:prstGeom prst="line">
             <a:avLst/>
@@ -3715,8 +3717,8 @@
         </p:nvCxnSpPr>
         <p:spPr>
           <a:xfrm>
-            <a:off x="1285147" y="5400986"/>
-            <a:ext cx="1524420" cy="2727014"/>
+            <a:off x="815138" y="4446438"/>
+            <a:ext cx="926940" cy="899468"/>
           </a:xfrm>
           <a:prstGeom prst="line">
             <a:avLst/>
@@ -3751,8 +3753,8 @@
         </p:nvSpPr>
         <p:spPr>
           <a:xfrm>
-            <a:off x="286890" y="6978897"/>
-            <a:ext cx="2227008" cy="954107"/>
+            <a:off x="177886" y="4633402"/>
+            <a:ext cx="1380861" cy="626454"/>
           </a:xfrm>
           <a:prstGeom prst="rect">
             <a:avLst/>
@@ -3766,47 +3768,47 @@
           <a:lstStyle/>
           <a:p>
             <a:r>
-              <a:rPr lang="de-DE" sz="800" b="1" dirty="0"/>
+              <a:rPr lang="de-DE" sz="496" b="1" dirty="0"/>
               <a:t>Direkte Anmeldung am Server:</a:t>
             </a:r>
           </a:p>
           <a:p>
             <a:r>
-              <a:rPr lang="de-DE" sz="800" b="1" dirty="0"/>
+              <a:rPr lang="de-DE" sz="496" b="1" dirty="0"/>
               <a:t>-&gt; nur für </a:t>
             </a:r>
             <a:r>
-              <a:rPr lang="de-DE" sz="800" b="1" dirty="0" err="1"/>
+              <a:rPr lang="de-DE" sz="496" b="1" dirty="0" err="1"/>
               <a:t>saxess</a:t>
             </a:r>
             <a:r>
-              <a:rPr lang="de-DE" sz="800" b="1" dirty="0"/>
+              <a:rPr lang="de-DE" sz="496" b="1" dirty="0"/>
               <a:t> Administratoren</a:t>
             </a:r>
           </a:p>
           <a:p>
             <a:r>
-              <a:rPr lang="de-DE" sz="800" dirty="0"/>
+              <a:rPr lang="de-DE" sz="496" dirty="0"/>
               <a:t>SQL User „Support“</a:t>
             </a:r>
           </a:p>
           <a:p>
             <a:r>
-              <a:rPr lang="de-DE" sz="800" dirty="0"/>
+              <a:rPr lang="de-DE" sz="496" dirty="0"/>
               <a:t>AD Gruppe „</a:t>
             </a:r>
             <a:r>
-              <a:rPr lang="de-DE" sz="800" dirty="0" err="1"/>
+              <a:rPr lang="de-DE" sz="496" dirty="0" err="1"/>
               <a:t>Administration_DF_SQLServer</a:t>
             </a:r>
             <a:r>
-              <a:rPr lang="de-DE" sz="800" dirty="0"/>
+              <a:rPr lang="de-DE" sz="496" dirty="0"/>
               <a:t>“</a:t>
             </a:r>
           </a:p>
           <a:p>
             <a:r>
-              <a:rPr lang="de-DE" sz="800" dirty="0">
+              <a:rPr lang="de-DE" sz="496" dirty="0">
                 <a:solidFill>
                   <a:schemeClr val="bg1">
                     <a:lumMod val="50000"/>
@@ -3816,7 +3818,7 @@
               <a:t>(Login und User in </a:t>
             </a:r>
             <a:r>
-              <a:rPr lang="de-DE" sz="800" dirty="0" err="1">
+              <a:rPr lang="de-DE" sz="496" dirty="0" err="1">
                 <a:solidFill>
                   <a:schemeClr val="bg1">
                     <a:lumMod val="50000"/>
@@ -3826,7 +3828,7 @@
               <a:t>master</a:t>
             </a:r>
             <a:r>
-              <a:rPr lang="de-DE" sz="800" dirty="0">
+              <a:rPr lang="de-DE" sz="496" dirty="0">
                 <a:solidFill>
                   <a:schemeClr val="bg1">
                     <a:lumMod val="50000"/>
@@ -3837,7 +3839,7 @@
             </a:r>
           </a:p>
           <a:p>
-            <a:endParaRPr lang="de-DE" sz="800" dirty="0">
+            <a:endParaRPr lang="de-DE" sz="496" dirty="0">
               <a:solidFill>
                 <a:schemeClr val="bg1">
                   <a:lumMod val="50000"/>
@@ -3847,7 +3849,7 @@
           </a:p>
           <a:p>
             <a:r>
-              <a:rPr lang="de-DE" sz="800" dirty="0">
+              <a:rPr lang="de-DE" sz="496" dirty="0">
                 <a:solidFill>
                   <a:schemeClr val="bg1">
                     <a:lumMod val="50000"/>
@@ -3857,7 +3859,7 @@
               <a:t>SSMS mit </a:t>
             </a:r>
             <a:r>
-              <a:rPr lang="de-DE" sz="800" dirty="0" err="1">
+              <a:rPr lang="de-DE" sz="496" dirty="0" err="1">
                 <a:solidFill>
                   <a:schemeClr val="bg1">
                     <a:lumMod val="50000"/>
@@ -3867,7 +3869,7 @@
               <a:t>Active</a:t>
             </a:r>
             <a:r>
-              <a:rPr lang="de-DE" sz="800" dirty="0">
+              <a:rPr lang="de-DE" sz="496" dirty="0">
                 <a:solidFill>
                   <a:schemeClr val="bg1">
                     <a:lumMod val="50000"/>
@@ -3893,8 +3895,8 @@
         </p:nvSpPr>
         <p:spPr>
           <a:xfrm>
-            <a:off x="8029262" y="5745027"/>
-            <a:ext cx="2768484" cy="1446550"/>
+            <a:off x="4978560" y="3868339"/>
+            <a:ext cx="1716604" cy="2354491"/>
           </a:xfrm>
           <a:prstGeom prst="rect">
             <a:avLst/>
@@ -3908,31 +3910,31 @@
           <a:lstStyle/>
           <a:p>
             <a:r>
-              <a:rPr lang="de-DE" sz="800" b="1" dirty="0"/>
+              <a:rPr lang="de-DE" sz="700" b="1" dirty="0"/>
               <a:t>Direkte Anmeldung an Datenbank:</a:t>
             </a:r>
           </a:p>
           <a:p>
             <a:r>
-              <a:rPr lang="de-DE" sz="800" b="1" dirty="0"/>
+              <a:rPr lang="de-DE" sz="700" b="1" dirty="0"/>
               <a:t>-&gt; für Kunden und </a:t>
             </a:r>
             <a:r>
-              <a:rPr lang="de-DE" sz="800" b="1" dirty="0" err="1"/>
+              <a:rPr lang="de-DE" sz="700" b="1" dirty="0" err="1"/>
               <a:t>saxess</a:t>
             </a:r>
             <a:r>
-              <a:rPr lang="de-DE" sz="800" b="1" dirty="0"/>
+              <a:rPr lang="de-DE" sz="700" b="1" dirty="0"/>
               <a:t> Mitarbeiter (Testen, Reporting)</a:t>
             </a:r>
           </a:p>
           <a:p>
             <a:r>
-              <a:rPr lang="de-DE" sz="800" dirty="0"/>
+              <a:rPr lang="de-DE" sz="700" dirty="0"/>
               <a:t>Login für Server erzeugt </a:t>
             </a:r>
             <a:r>
-              <a:rPr lang="de-DE" sz="800" dirty="0">
+              <a:rPr lang="de-DE" sz="700" dirty="0">
                 <a:solidFill>
                   <a:schemeClr val="bg1">
                     <a:lumMod val="50000"/>
@@ -3942,7 +3944,7 @@
               <a:t>(Login in </a:t>
             </a:r>
             <a:r>
-              <a:rPr lang="de-DE" sz="800" dirty="0" err="1">
+              <a:rPr lang="de-DE" sz="700" dirty="0" err="1">
                 <a:solidFill>
                   <a:schemeClr val="bg1">
                     <a:lumMod val="50000"/>
@@ -3952,74 +3954,115 @@
               <a:t>master</a:t>
             </a:r>
             <a:r>
-              <a:rPr lang="de-DE" sz="800" dirty="0">
+              <a:rPr lang="de-DE" sz="700" dirty="0">
                 <a:solidFill>
                   <a:schemeClr val="bg1">
                     <a:lumMod val="50000"/>
                   </a:schemeClr>
                 </a:solidFill>
               </a:rPr>
-              <a:t> DB aber kein User)</a:t>
-            </a:r>
-          </a:p>
-          <a:p>
-            <a:r>
-              <a:rPr lang="de-DE" sz="800" dirty="0"/>
-              <a:t>User in Datenbank erzeugt</a:t>
-            </a:r>
-          </a:p>
-          <a:p>
-            <a:endParaRPr lang="de-DE" sz="800" dirty="0"/>
-          </a:p>
-          <a:p>
-            <a:r>
-              <a:rPr lang="de-DE" sz="800" dirty="0">
+              <a:t> DB aber kein User in </a:t>
+            </a:r>
+            <a:r>
+              <a:rPr lang="de-DE" sz="700" dirty="0" err="1">
                 <a:solidFill>
                   <a:schemeClr val="bg1">
                     <a:lumMod val="50000"/>
                   </a:schemeClr>
                 </a:solidFill>
               </a:rPr>
+              <a:t>master</a:t>
+            </a:r>
+            <a:r>
+              <a:rPr lang="de-DE" sz="700" dirty="0">
+                <a:solidFill>
+                  <a:schemeClr val="bg1">
+                    <a:lumMod val="50000"/>
+                  </a:schemeClr>
+                </a:solidFill>
+              </a:rPr>
+              <a:t> !)</a:t>
+            </a:r>
+          </a:p>
+          <a:p>
+            <a:r>
+              <a:rPr lang="de-DE" sz="700" dirty="0"/>
+              <a:t>User in Datenbank erzeugt</a:t>
+            </a:r>
+          </a:p>
+          <a:p>
+            <a:endParaRPr lang="de-DE" sz="700" dirty="0"/>
+          </a:p>
+          <a:p>
+            <a:r>
+              <a:rPr lang="de-DE" sz="700" dirty="0">
+                <a:solidFill>
+                  <a:schemeClr val="bg1">
+                    <a:lumMod val="50000"/>
+                  </a:schemeClr>
+                </a:solidFill>
+              </a:rPr>
               <a:t>SSMS mit SQL Server Authentifizierung und DB unter Optionen</a:t>
             </a:r>
           </a:p>
           <a:p>
-            <a:endParaRPr lang="de-DE" sz="800" dirty="0"/>
-          </a:p>
-          <a:p>
-            <a:r>
-              <a:rPr lang="de-DE" sz="800" dirty="0" err="1"/>
+            <a:endParaRPr lang="de-DE" sz="700" dirty="0"/>
+          </a:p>
+          <a:p>
+            <a:endParaRPr lang="de-DE" sz="700" dirty="0"/>
+          </a:p>
+          <a:p>
+            <a:endParaRPr lang="de-DE" sz="700" dirty="0"/>
+          </a:p>
+          <a:p>
+            <a:endParaRPr lang="de-DE" sz="700" dirty="0"/>
+          </a:p>
+          <a:p>
+            <a:r>
+              <a:rPr lang="de-DE" sz="700" dirty="0" err="1"/>
               <a:t>sxad</a:t>
             </a:r>
             <a:r>
-              <a:rPr lang="de-DE" sz="800" dirty="0"/>
+              <a:rPr lang="de-DE" sz="700" dirty="0"/>
               <a:t>.**** = User für Kunden</a:t>
             </a:r>
           </a:p>
           <a:p>
             <a:r>
-              <a:rPr lang="de-DE" sz="800" dirty="0"/>
+              <a:rPr lang="de-DE" sz="700" dirty="0"/>
               <a:t>Service_*** = User für Services</a:t>
             </a:r>
           </a:p>
           <a:p>
-            <a:r>
-              <a:rPr lang="de-DE" sz="800" dirty="0" err="1"/>
+            <a:endParaRPr lang="de-DE" sz="700" dirty="0"/>
+          </a:p>
+          <a:p>
+            <a:endParaRPr lang="de-DE" sz="700" dirty="0"/>
+          </a:p>
+          <a:p>
+            <a:endParaRPr lang="de-DE" sz="700" dirty="0"/>
+          </a:p>
+          <a:p>
+            <a:endParaRPr lang="de-DE" sz="700" dirty="0"/>
+          </a:p>
+          <a:p>
+            <a:r>
+              <a:rPr lang="de-DE" sz="700" dirty="0" err="1"/>
               <a:t>FactoryService</a:t>
             </a:r>
-            <a:endParaRPr lang="de-DE" sz="800" dirty="0"/>
-          </a:p>
-          <a:p>
-            <a:r>
-              <a:rPr lang="de-DE" sz="800" dirty="0"/>
+            <a:endParaRPr lang="de-DE" sz="700" dirty="0"/>
+          </a:p>
+          <a:p>
+            <a:r>
+              <a:rPr lang="de-DE" sz="700" dirty="0"/>
               <a:t>AD Gruppen </a:t>
             </a:r>
             <a:r>
-              <a:rPr lang="de-DE" sz="800" dirty="0" err="1"/>
+              <a:rPr lang="de-DE" sz="700" dirty="0" err="1"/>
               <a:t>from</a:t>
             </a:r>
             <a:r>
-              <a:rPr lang="de-DE" sz="800" dirty="0"/>
+              <a:rPr lang="de-DE" sz="700" dirty="0"/>
               <a:t> External Provider</a:t>
             </a:r>
           </a:p>
@@ -4036,15 +4079,15 @@
           </p:cNvPr>
           <p:cNvCxnSpPr>
             <a:cxnSpLocks/>
-            <a:stCxn id="10" idx="0"/>
+            <a:stCxn id="7" idx="0"/>
             <a:endCxn id="25" idx="2"/>
           </p:cNvCxnSpPr>
           <p:nvPr/>
         </p:nvCxnSpPr>
         <p:spPr>
           <a:xfrm flipH="1" flipV="1">
-            <a:off x="3857897" y="2392429"/>
-            <a:ext cx="1113503" cy="2581837"/>
+            <a:off x="2799930" y="1291744"/>
+            <a:ext cx="89373" cy="1500540"/>
           </a:xfrm>
           <a:prstGeom prst="line">
             <a:avLst/>
@@ -4079,8 +4122,8 @@
         </p:nvSpPr>
         <p:spPr>
           <a:xfrm>
-            <a:off x="2996134" y="1965709"/>
-            <a:ext cx="1723526" cy="426720"/>
+            <a:off x="2265592" y="1027155"/>
+            <a:ext cx="1068676" cy="264589"/>
           </a:xfrm>
           <a:prstGeom prst="rect">
             <a:avLst/>
@@ -4111,7 +4154,7 @@
           <a:p>
             <a:pPr algn="ctr"/>
             <a:r>
-              <a:rPr lang="de-DE" sz="1200" dirty="0">
+              <a:rPr lang="de-DE" sz="744" dirty="0">
                 <a:solidFill>
                   <a:schemeClr val="tx1">
                     <a:lumMod val="65000"/>
@@ -4138,8 +4181,8 @@
         </p:nvSpPr>
         <p:spPr>
           <a:xfrm>
-            <a:off x="5014453" y="1977789"/>
-            <a:ext cx="1723526" cy="426720"/>
+            <a:off x="4356844" y="1537168"/>
+            <a:ext cx="1068676" cy="264589"/>
           </a:xfrm>
           <a:prstGeom prst="rect">
             <a:avLst/>
@@ -4170,7 +4213,7 @@
           <a:p>
             <a:pPr algn="ctr"/>
             <a:r>
-              <a:rPr lang="de-DE" sz="1200" dirty="0" err="1">
+              <a:rPr lang="de-DE" sz="744" dirty="0" err="1">
                 <a:solidFill>
                   <a:schemeClr val="tx1">
                     <a:lumMod val="65000"/>
@@ -4181,7 +4224,7 @@
               <a:t>PowerQuery</a:t>
             </a:r>
             <a:r>
-              <a:rPr lang="de-DE" sz="1200" dirty="0">
+              <a:rPr lang="de-DE" sz="744" dirty="0">
                 <a:solidFill>
                   <a:schemeClr val="tx1">
                     <a:lumMod val="65000"/>
@@ -4205,115 +4248,19 @@
           </p:cNvPr>
           <p:cNvCxnSpPr>
             <a:cxnSpLocks/>
-            <a:stCxn id="10" idx="0"/>
+            <a:stCxn id="7" idx="5"/>
             <a:endCxn id="28" idx="2"/>
           </p:cNvCxnSpPr>
           <p:nvPr/>
         </p:nvCxnSpPr>
         <p:spPr>
           <a:xfrm flipV="1">
-            <a:off x="4971400" y="2404509"/>
-            <a:ext cx="904816" cy="2569757"/>
+            <a:off x="3092008" y="1801757"/>
+            <a:ext cx="1799174" cy="1273963"/>
           </a:xfrm>
           <a:prstGeom prst="line">
             <a:avLst/>
           </a:prstGeom>
-        </p:spPr>
-        <p:style>
-          <a:lnRef idx="1">
-            <a:schemeClr val="accent1"/>
-          </a:lnRef>
-          <a:fillRef idx="0">
-            <a:schemeClr val="accent1"/>
-          </a:fillRef>
-          <a:effectRef idx="0">
-            <a:schemeClr val="accent1"/>
-          </a:effectRef>
-          <a:fontRef idx="minor">
-            <a:schemeClr val="tx1"/>
-          </a:fontRef>
-        </p:style>
-      </p:cxnSp>
-      <p:cxnSp>
-        <p:nvCxnSpPr>
-          <p:cNvPr id="32" name="Gerader Verbinder 31">
-            <a:extLst>
-              <a:ext uri="{FF2B5EF4-FFF2-40B4-BE49-F238E27FC236}">
-                <a16:creationId xmlns:a16="http://schemas.microsoft.com/office/drawing/2014/main" id="{FC0E6ABC-FCEA-42CB-8ECE-DD47762BA4EA}"/>
-              </a:ext>
-            </a:extLst>
-          </p:cNvPr>
-          <p:cNvCxnSpPr>
-            <a:cxnSpLocks/>
-            <a:endCxn id="7" idx="1"/>
-          </p:cNvCxnSpPr>
-          <p:nvPr/>
-        </p:nvCxnSpPr>
-        <p:spPr>
-          <a:xfrm>
-            <a:off x="5423808" y="3689387"/>
-            <a:ext cx="2200264" cy="122726"/>
-          </a:xfrm>
-          <a:prstGeom prst="line">
-            <a:avLst/>
-          </a:prstGeom>
-          <a:ln>
-            <a:solidFill>
-              <a:schemeClr val="tx1">
-                <a:lumMod val="75000"/>
-                <a:lumOff val="25000"/>
-              </a:schemeClr>
-            </a:solidFill>
-            <a:prstDash val="dash"/>
-          </a:ln>
-        </p:spPr>
-        <p:style>
-          <a:lnRef idx="1">
-            <a:schemeClr val="accent1"/>
-          </a:lnRef>
-          <a:fillRef idx="0">
-            <a:schemeClr val="accent1"/>
-          </a:fillRef>
-          <a:effectRef idx="0">
-            <a:schemeClr val="accent1"/>
-          </a:effectRef>
-          <a:fontRef idx="minor">
-            <a:schemeClr val="tx1"/>
-          </a:fontRef>
-        </p:style>
-      </p:cxnSp>
-      <p:cxnSp>
-        <p:nvCxnSpPr>
-          <p:cNvPr id="35" name="Gerader Verbinder 34">
-            <a:extLst>
-              <a:ext uri="{FF2B5EF4-FFF2-40B4-BE49-F238E27FC236}">
-                <a16:creationId xmlns:a16="http://schemas.microsoft.com/office/drawing/2014/main" id="{7F02A66D-416F-443A-9626-F76635991B86}"/>
-              </a:ext>
-            </a:extLst>
-          </p:cNvPr>
-          <p:cNvCxnSpPr>
-            <a:cxnSpLocks/>
-            <a:endCxn id="7" idx="1"/>
-          </p:cNvCxnSpPr>
-          <p:nvPr/>
-        </p:nvCxnSpPr>
-        <p:spPr>
-          <a:xfrm flipV="1">
-            <a:off x="4537715" y="3812113"/>
-            <a:ext cx="3086357" cy="73466"/>
-          </a:xfrm>
-          <a:prstGeom prst="line">
-            <a:avLst/>
-          </a:prstGeom>
-          <a:ln>
-            <a:solidFill>
-              <a:schemeClr val="tx1">
-                <a:lumMod val="75000"/>
-                <a:lumOff val="25000"/>
-              </a:schemeClr>
-            </a:solidFill>
-            <a:prstDash val="dash"/>
-          </a:ln>
         </p:spPr>
         <p:style>
           <a:lnRef idx="1">
@@ -4344,8 +4291,8 @@
         </p:nvSpPr>
         <p:spPr>
           <a:xfrm>
-            <a:off x="8433064" y="2424703"/>
-            <a:ext cx="2227008" cy="1692771"/>
+            <a:off x="4071965" y="2318105"/>
+            <a:ext cx="2949258" cy="923330"/>
           </a:xfrm>
           <a:prstGeom prst="rect">
             <a:avLst/>
@@ -4359,91 +4306,80 @@
           <a:lstStyle/>
           <a:p>
             <a:r>
-              <a:rPr lang="de-DE" sz="800" dirty="0"/>
-              <a:t>Ein Google Account</a:t>
-            </a:r>
-          </a:p>
-          <a:p>
-            <a:r>
-              <a:rPr lang="de-DE" sz="800" dirty="0"/>
-              <a:t>oder </a:t>
-            </a:r>
-          </a:p>
-          <a:p>
-            <a:r>
-              <a:rPr lang="de-DE" sz="800" dirty="0"/>
-              <a:t>AD B2C Account, welches sich User selbst anlegt</a:t>
-            </a:r>
-          </a:p>
-          <a:p>
-            <a:endParaRPr lang="de-DE" sz="800" dirty="0"/>
-          </a:p>
-          <a:p>
-            <a:r>
-              <a:rPr lang="de-DE" sz="800" dirty="0"/>
-              <a:t>Saxess Mitarbeiter melden sich über Google mit </a:t>
-            </a:r>
-            <a:r>
-              <a:rPr lang="de-DE" sz="800" dirty="0">
+              <a:rPr lang="de-DE" sz="600" dirty="0"/>
+              <a:t>AD B2C Account, welches sich der User selbst anlegt oder per </a:t>
+            </a:r>
+            <a:r>
+              <a:rPr lang="de-DE" sz="600" dirty="0" err="1"/>
+              <a:t>GraphAPI</a:t>
+            </a:r>
+            <a:r>
+              <a:rPr lang="de-DE" sz="600" dirty="0"/>
+              <a:t> angelegt wird.</a:t>
+            </a:r>
+          </a:p>
+          <a:p>
+            <a:endParaRPr lang="de-DE" sz="600" dirty="0"/>
+          </a:p>
+          <a:p>
+            <a:r>
+              <a:rPr lang="de-DE" sz="600" dirty="0"/>
+              <a:t>Saxess Mitarbeiter melden sich selber mit  </a:t>
+            </a:r>
+            <a:r>
+              <a:rPr lang="de-DE" sz="600" dirty="0">
                 <a:hlinkClick r:id="rId2"/>
               </a:rPr>
               <a:t>*@saxess-software.de</a:t>
             </a:r>
             <a:r>
-              <a:rPr lang="de-DE" sz="800" dirty="0"/>
+              <a:rPr lang="de-DE" sz="600" dirty="0"/>
               <a:t> an.</a:t>
             </a:r>
           </a:p>
           <a:p>
-            <a:endParaRPr lang="de-DE" sz="800" dirty="0"/>
-          </a:p>
-          <a:p>
-            <a:r>
-              <a:rPr lang="de-DE" sz="800" dirty="0" err="1"/>
+            <a:endParaRPr lang="de-DE" sz="600" dirty="0"/>
+          </a:p>
+          <a:p>
+            <a:r>
+              <a:rPr lang="de-DE" sz="600" dirty="0" err="1"/>
               <a:t>SupportUser</a:t>
             </a:r>
-            <a:r>
-              <a:rPr lang="de-DE" sz="800" dirty="0"/>
-              <a:t> / </a:t>
-            </a:r>
-            <a:r>
-              <a:rPr lang="de-DE" sz="800" dirty="0" err="1"/>
+            <a:endParaRPr lang="de-DE" sz="600" dirty="0"/>
+          </a:p>
+          <a:p>
+            <a:r>
+              <a:rPr lang="de-DE" sz="600" dirty="0">
+                <a:hlinkClick r:id="rId3"/>
+              </a:rPr>
+              <a:t>support@planning-factory.com</a:t>
+            </a:r>
+            <a:endParaRPr lang="de-DE" sz="600" dirty="0"/>
+          </a:p>
+          <a:p>
+            <a:r>
+              <a:rPr lang="de-DE" sz="600" dirty="0">
+                <a:hlinkClick r:id="rId4"/>
+              </a:rPr>
+              <a:t>support@factoryprovider.com</a:t>
+            </a:r>
+            <a:endParaRPr lang="de-DE" sz="600" dirty="0"/>
+          </a:p>
+          <a:p>
+            <a:r>
+              <a:rPr lang="de-DE" sz="600" dirty="0" err="1"/>
               <a:t>TestUser</a:t>
             </a:r>
-            <a:endParaRPr lang="de-DE" sz="800" dirty="0"/>
-          </a:p>
-          <a:p>
-            <a:r>
-              <a:rPr lang="de-DE" sz="800" dirty="0">
-                <a:hlinkClick r:id="rId3"/>
-              </a:rPr>
-              <a:t>support@planning-factory.com</a:t>
-            </a:r>
-            <a:endParaRPr lang="de-DE" sz="800" dirty="0"/>
-          </a:p>
-          <a:p>
-            <a:r>
-              <a:rPr lang="de-DE" sz="800" dirty="0">
-                <a:hlinkClick r:id="rId4"/>
-              </a:rPr>
-              <a:t>support@factoryprovider.com</a:t>
-            </a:r>
-            <a:endParaRPr lang="de-DE" sz="800" dirty="0"/>
-          </a:p>
-          <a:p>
-            <a:r>
-              <a:rPr lang="de-DE" sz="800" dirty="0">
+            <a:endParaRPr lang="de-DE" sz="600" dirty="0"/>
+          </a:p>
+          <a:p>
+            <a:r>
+              <a:rPr lang="de-DE" sz="600" dirty="0">
                 <a:hlinkClick r:id="rId5"/>
               </a:rPr>
               <a:t>test@factoryprovider.com</a:t>
             </a:r>
-            <a:endParaRPr lang="de-DE" sz="800" dirty="0"/>
-          </a:p>
-          <a:p>
-            <a:endParaRPr lang="de-DE" sz="800" dirty="0"/>
-          </a:p>
-          <a:p>
-            <a:endParaRPr lang="de-DE" sz="800" dirty="0"/>
+            <a:endParaRPr lang="de-DE" sz="600" dirty="0"/>
           </a:p>
         </p:txBody>
       </p:sp>
@@ -4461,8 +4397,8 @@
         </p:nvSpPr>
         <p:spPr>
           <a:xfrm>
-            <a:off x="8154666" y="8363186"/>
-            <a:ext cx="1723526" cy="426720"/>
+            <a:off x="5056317" y="5600079"/>
+            <a:ext cx="1068676" cy="264589"/>
           </a:xfrm>
           <a:prstGeom prst="rect">
             <a:avLst/>
@@ -4493,7 +4429,7 @@
           <a:p>
             <a:pPr algn="ctr"/>
             <a:r>
-              <a:rPr lang="de-DE" sz="1200" dirty="0" err="1">
+              <a:rPr lang="de-DE" sz="744" dirty="0" err="1">
                 <a:solidFill>
                   <a:schemeClr val="tx1">
                     <a:lumMod val="65000"/>
@@ -4504,7 +4440,7 @@
               <a:t>PowerQuery</a:t>
             </a:r>
             <a:r>
-              <a:rPr lang="de-DE" sz="1200" dirty="0">
+              <a:rPr lang="de-DE" sz="744" dirty="0">
                 <a:solidFill>
                   <a:schemeClr val="tx1">
                     <a:lumMod val="65000"/>
@@ -4531,8 +4467,8 @@
         </p:nvSpPr>
         <p:spPr>
           <a:xfrm>
-            <a:off x="5833163" y="2490162"/>
-            <a:ext cx="1453455" cy="1323439"/>
+            <a:off x="5516253" y="1516238"/>
+            <a:ext cx="1504970" cy="923330"/>
           </a:xfrm>
           <a:prstGeom prst="rect">
             <a:avLst/>
@@ -4546,23 +4482,13 @@
           <a:lstStyle/>
           <a:p>
             <a:r>
-              <a:rPr lang="de-DE" sz="800" dirty="0"/>
-              <a:t>Nur für </a:t>
-            </a:r>
-          </a:p>
-          <a:p>
-            <a:r>
-              <a:rPr lang="de-DE" sz="800" dirty="0" err="1"/>
-              <a:t>sx_pf_DATAOUTPUT</a:t>
-            </a:r>
-            <a:r>
-              <a:rPr lang="de-DE" sz="800" dirty="0"/>
-              <a:t>_[Typ]</a:t>
-            </a:r>
-          </a:p>
-          <a:p>
-            <a:r>
-              <a:rPr lang="de-DE" sz="800" dirty="0">
+              <a:rPr lang="de-DE" sz="600" dirty="0"/>
+              <a:t>Jede Prozedur</a:t>
+            </a:r>
+          </a:p>
+          <a:p>
+            <a:r>
+              <a:rPr lang="de-DE" sz="600" dirty="0">
                 <a:solidFill>
                   <a:schemeClr val="bg1">
                     <a:lumMod val="50000"/>
@@ -4572,7 +4498,7 @@
               <a:t>Right Check = INNER JOIN </a:t>
             </a:r>
             <a:r>
-              <a:rPr lang="de-DE" sz="800" dirty="0" err="1">
+              <a:rPr lang="de-DE" sz="600" dirty="0" err="1">
                 <a:solidFill>
                   <a:schemeClr val="bg1">
                     <a:lumMod val="50000"/>
@@ -4582,7 +4508,7 @@
               <a:t>vUR</a:t>
             </a:r>
             <a:r>
-              <a:rPr lang="de-DE" sz="800" dirty="0">
+              <a:rPr lang="de-DE" sz="600" dirty="0">
                 <a:solidFill>
                   <a:schemeClr val="bg1">
                     <a:lumMod val="50000"/>
@@ -4593,7 +4519,7 @@
             </a:r>
           </a:p>
           <a:p>
-            <a:endParaRPr lang="de-DE" sz="800" dirty="0">
+            <a:endParaRPr lang="de-DE" sz="600" dirty="0">
               <a:solidFill>
                 <a:schemeClr val="bg1">
                   <a:lumMod val="50000"/>
@@ -4603,7 +4529,7 @@
           </a:p>
           <a:p>
             <a:r>
-              <a:rPr lang="de-DE" sz="800" dirty="0" err="1">
+              <a:rPr lang="de-DE" sz="600" dirty="0" err="1">
                 <a:solidFill>
                   <a:schemeClr val="bg1">
                     <a:lumMod val="50000"/>
@@ -4613,7 +4539,7 @@
               <a:t>max</a:t>
             </a:r>
             <a:r>
-              <a:rPr lang="de-DE" sz="800" dirty="0">
+              <a:rPr lang="de-DE" sz="600" dirty="0">
                 <a:solidFill>
                   <a:schemeClr val="bg1">
                     <a:lumMod val="50000"/>
@@ -4625,7 +4551,7 @@
           </a:p>
           <a:p>
             <a:r>
-              <a:rPr lang="de-DE" sz="800" dirty="0">
+              <a:rPr lang="de-DE" sz="600" dirty="0">
                 <a:solidFill>
                   <a:schemeClr val="bg1">
                     <a:lumMod val="50000"/>
@@ -4637,7 +4563,7 @@
           </a:p>
           <a:p>
             <a:r>
-              <a:rPr lang="de-DE" sz="800" dirty="0">
+              <a:rPr lang="de-DE" sz="600" dirty="0">
                 <a:solidFill>
                   <a:schemeClr val="bg1">
                     <a:lumMod val="50000"/>
@@ -4648,7 +4574,7 @@
             </a:r>
           </a:p>
           <a:p>
-            <a:endParaRPr lang="de-DE" sz="800" dirty="0">
+            <a:endParaRPr lang="de-DE" sz="600" dirty="0">
               <a:solidFill>
                 <a:schemeClr val="bg1">
                   <a:lumMod val="50000"/>
@@ -4657,7 +4583,7 @@
             </a:endParaRPr>
           </a:p>
           <a:p>
-            <a:endParaRPr lang="de-DE" sz="800" dirty="0">
+            <a:endParaRPr lang="de-DE" sz="600" dirty="0">
               <a:solidFill>
                 <a:schemeClr val="bg1">
                   <a:lumMod val="50000"/>
@@ -4681,8 +4607,8 @@
         </p:nvSpPr>
         <p:spPr>
           <a:xfrm>
-            <a:off x="4941338" y="1617545"/>
-            <a:ext cx="3811830" cy="215444"/>
+            <a:off x="4229298" y="1302482"/>
+            <a:ext cx="3683549" cy="200055"/>
           </a:xfrm>
           <a:prstGeom prst="rect">
             <a:avLst/>
@@ -4696,7 +4622,7 @@
           <a:lstStyle/>
           <a:p>
             <a:r>
-              <a:rPr lang="de-DE" sz="800" dirty="0"/>
+              <a:rPr lang="de-DE" sz="700" dirty="0"/>
               <a:t>https://factoryprovider.com/api/v4/csv/[Cluster]/[Typ]/[FID]/[PLID]?separator=|</a:t>
             </a:r>
           </a:p>
@@ -4720,8 +4646,8 @@
         </p:nvCxnSpPr>
         <p:spPr>
           <a:xfrm>
-            <a:off x="4202516" y="7926156"/>
-            <a:ext cx="3952150" cy="650390"/>
+            <a:off x="2605778" y="5220752"/>
+            <a:ext cx="2450539" cy="511622"/>
           </a:xfrm>
           <a:prstGeom prst="line">
             <a:avLst/>
@@ -4756,8 +4682,8 @@
         </p:nvSpPr>
         <p:spPr>
           <a:xfrm>
-            <a:off x="5313607" y="8356677"/>
-            <a:ext cx="1729968" cy="584775"/>
+            <a:off x="2421539" y="5594714"/>
+            <a:ext cx="1072670" cy="473848"/>
           </a:xfrm>
           <a:prstGeom prst="rect">
             <a:avLst/>
@@ -4771,26 +4697,26 @@
           <a:lstStyle/>
           <a:p>
             <a:r>
-              <a:rPr lang="de-DE" sz="800" dirty="0"/>
+              <a:rPr lang="de-DE" sz="496" dirty="0"/>
               <a:t>Jede Tabelle, View, </a:t>
             </a:r>
             <a:r>
-              <a:rPr lang="de-DE" sz="800" dirty="0" err="1"/>
+              <a:rPr lang="de-DE" sz="496" dirty="0" err="1"/>
               <a:t>Stored</a:t>
             </a:r>
             <a:r>
-              <a:rPr lang="de-DE" sz="800" dirty="0"/>
+              <a:rPr lang="de-DE" sz="496" dirty="0"/>
               <a:t> </a:t>
             </a:r>
             <a:r>
-              <a:rPr lang="de-DE" sz="800" dirty="0" err="1"/>
+              <a:rPr lang="de-DE" sz="496" dirty="0" err="1"/>
               <a:t>Procedure</a:t>
             </a:r>
-            <a:endParaRPr lang="de-DE" sz="800" dirty="0"/>
-          </a:p>
-          <a:p>
-            <a:r>
-              <a:rPr lang="de-DE" sz="800" dirty="0">
+            <a:endParaRPr lang="de-DE" sz="496" dirty="0"/>
+          </a:p>
+          <a:p>
+            <a:r>
+              <a:rPr lang="de-DE" sz="496" dirty="0">
                 <a:solidFill>
                   <a:schemeClr val="bg1">
                     <a:lumMod val="50000"/>
@@ -4800,7 +4726,7 @@
               <a:t>Right Check </a:t>
             </a:r>
             <a:r>
-              <a:rPr lang="de-DE" sz="800" dirty="0" err="1">
+              <a:rPr lang="de-DE" sz="496" dirty="0" err="1">
                 <a:solidFill>
                   <a:schemeClr val="bg1">
                     <a:lumMod val="50000"/>
@@ -4810,7 +4736,7 @@
               <a:t>with</a:t>
             </a:r>
             <a:r>
-              <a:rPr lang="de-DE" sz="800" dirty="0">
+              <a:rPr lang="de-DE" sz="496" dirty="0">
                 <a:solidFill>
                   <a:schemeClr val="bg1">
                     <a:lumMod val="50000"/>
@@ -4820,7 +4746,7 @@
               <a:t> INNER JOIN </a:t>
             </a:r>
             <a:r>
-              <a:rPr lang="de-DE" sz="800" dirty="0" err="1">
+              <a:rPr lang="de-DE" sz="496" dirty="0" err="1">
                 <a:solidFill>
                   <a:schemeClr val="bg1">
                     <a:lumMod val="50000"/>
@@ -4830,7 +4756,7 @@
               <a:t>sx_pf_vUserRights</a:t>
             </a:r>
             <a:r>
-              <a:rPr lang="de-DE" sz="800" dirty="0">
+              <a:rPr lang="de-DE" sz="496" dirty="0">
                 <a:solidFill>
                   <a:schemeClr val="bg1">
                     <a:lumMod val="50000"/>
@@ -4840,24 +4766,20 @@
               <a:t> </a:t>
             </a:r>
             <a:r>
-              <a:rPr lang="de-DE" sz="800" dirty="0" err="1">
-                <a:solidFill>
-                  <a:schemeClr val="bg1">
-                    <a:lumMod val="50000"/>
-                  </a:schemeClr>
+              <a:rPr lang="de-DE" sz="496" dirty="0" err="1">
+                <a:solidFill>
+                  <a:srgbClr val="FF0000"/>
                 </a:solidFill>
               </a:rPr>
               <a:t>over</a:t>
             </a:r>
             <a:r>
-              <a:rPr lang="de-DE" sz="800" dirty="0">
-                <a:solidFill>
-                  <a:schemeClr val="bg1">
-                    <a:lumMod val="50000"/>
-                  </a:schemeClr>
-                </a:solidFill>
-              </a:rPr>
-              <a:t> ORIGINAL_LOGIN()</a:t>
+              <a:rPr lang="de-DE" sz="496" dirty="0">
+                <a:solidFill>
+                  <a:srgbClr val="FF0000"/>
+                </a:solidFill>
+              </a:rPr>
+              <a:t> ORIGINAL_LOGIN() ?</a:t>
             </a:r>
           </a:p>
         </p:txBody>
@@ -4876,8 +4798,8 @@
         </p:nvSpPr>
         <p:spPr>
           <a:xfrm>
-            <a:off x="2766516" y="2486381"/>
-            <a:ext cx="1395892" cy="830997"/>
+            <a:off x="1705057" y="1350550"/>
+            <a:ext cx="1224841" cy="646331"/>
           </a:xfrm>
           <a:prstGeom prst="rect">
             <a:avLst/>
@@ -4891,19 +4813,19 @@
           <a:lstStyle/>
           <a:p>
             <a:r>
-              <a:rPr lang="de-DE" sz="800" dirty="0"/>
+              <a:rPr lang="de-DE" sz="600" dirty="0"/>
               <a:t>Pivots on Factory Tabs:</a:t>
             </a:r>
           </a:p>
           <a:p>
             <a:r>
-              <a:rPr lang="de-DE" sz="800" dirty="0"/>
+              <a:rPr lang="de-DE" sz="600" dirty="0"/>
               <a:t>Jede Prozedur mit @Username, @FID, @PLID</a:t>
             </a:r>
           </a:p>
           <a:p>
             <a:r>
-              <a:rPr lang="de-DE" sz="800" dirty="0">
+              <a:rPr lang="de-DE" sz="600" dirty="0">
                 <a:solidFill>
                   <a:schemeClr val="bg1">
                     <a:lumMod val="50000"/>
@@ -4913,7 +4835,7 @@
               <a:t>Right Check = INNER JOIN </a:t>
             </a:r>
             <a:r>
-              <a:rPr lang="de-DE" sz="800" dirty="0" err="1">
+              <a:rPr lang="de-DE" sz="600" dirty="0" err="1">
                 <a:solidFill>
                   <a:schemeClr val="bg1">
                     <a:lumMod val="50000"/>
@@ -4923,7 +4845,7 @@
               <a:t>vUR</a:t>
             </a:r>
             <a:r>
-              <a:rPr lang="de-DE" sz="800" dirty="0">
+              <a:rPr lang="de-DE" sz="600" dirty="0">
                 <a:solidFill>
                   <a:schemeClr val="bg1">
                     <a:lumMod val="50000"/>
@@ -4934,7 +4856,7 @@
             </a:r>
           </a:p>
           <a:p>
-            <a:endParaRPr lang="de-DE" sz="800" dirty="0"/>
+            <a:endParaRPr lang="de-DE" sz="600" dirty="0"/>
           </a:p>
         </p:txBody>
       </p:sp>
@@ -4952,8 +4874,8 @@
         </p:nvSpPr>
         <p:spPr>
           <a:xfrm>
-            <a:off x="1765506" y="346544"/>
-            <a:ext cx="6947193" cy="369332"/>
+            <a:off x="1094706" y="520998"/>
+            <a:ext cx="4307621" cy="276999"/>
           </a:xfrm>
           <a:prstGeom prst="rect">
             <a:avLst/>
@@ -4968,7 +4890,7 @@
           <a:p>
             <a:pPr algn="ctr"/>
             <a:r>
-              <a:rPr lang="de-DE" dirty="0"/>
+              <a:rPr lang="de-DE" sz="1200" dirty="0"/>
               <a:t>Zugriff auf Microsoft Azure</a:t>
             </a:r>
           </a:p>
@@ -4988,8 +4910,8 @@
         </p:nvSpPr>
         <p:spPr>
           <a:xfrm>
-            <a:off x="293421" y="2059661"/>
-            <a:ext cx="1723526" cy="426720"/>
+            <a:off x="181936" y="1583220"/>
+            <a:ext cx="1068676" cy="264589"/>
           </a:xfrm>
           <a:prstGeom prst="rect">
             <a:avLst/>
@@ -5020,7 +4942,7 @@
           <a:p>
             <a:pPr algn="ctr"/>
             <a:r>
-              <a:rPr lang="de-DE" sz="1200" dirty="0">
+              <a:rPr lang="de-DE" sz="744" dirty="0">
                 <a:solidFill>
                   <a:schemeClr val="tx1">
                     <a:lumMod val="65000"/>
@@ -5044,67 +4966,19 @@
           </p:cNvPr>
           <p:cNvCxnSpPr>
             <a:cxnSpLocks/>
-            <a:stCxn id="10" idx="0"/>
+            <a:stCxn id="7" idx="1"/>
             <a:endCxn id="52" idx="2"/>
           </p:cNvCxnSpPr>
           <p:nvPr/>
         </p:nvCxnSpPr>
         <p:spPr>
           <a:xfrm flipH="1" flipV="1">
-            <a:off x="1155184" y="2486381"/>
-            <a:ext cx="3816216" cy="2487885"/>
+            <a:off x="716274" y="1847809"/>
+            <a:ext cx="1970324" cy="1227911"/>
           </a:xfrm>
           <a:prstGeom prst="line">
             <a:avLst/>
           </a:prstGeom>
-        </p:spPr>
-        <p:style>
-          <a:lnRef idx="1">
-            <a:schemeClr val="accent1"/>
-          </a:lnRef>
-          <a:fillRef idx="0">
-            <a:schemeClr val="accent1"/>
-          </a:fillRef>
-          <a:effectRef idx="0">
-            <a:schemeClr val="accent1"/>
-          </a:effectRef>
-          <a:fontRef idx="minor">
-            <a:schemeClr val="tx1"/>
-          </a:fontRef>
-        </p:style>
-      </p:cxnSp>
-      <p:cxnSp>
-        <p:nvCxnSpPr>
-          <p:cNvPr id="56" name="Gerader Verbinder 55">
-            <a:extLst>
-              <a:ext uri="{FF2B5EF4-FFF2-40B4-BE49-F238E27FC236}">
-                <a16:creationId xmlns:a16="http://schemas.microsoft.com/office/drawing/2014/main" id="{13DE35D2-70DE-47AF-8491-E37925E1240B}"/>
-              </a:ext>
-            </a:extLst>
-          </p:cNvPr>
-          <p:cNvCxnSpPr>
-            <a:cxnSpLocks/>
-            <a:endCxn id="7" idx="1"/>
-          </p:cNvCxnSpPr>
-          <p:nvPr/>
-        </p:nvCxnSpPr>
-        <p:spPr>
-          <a:xfrm flipV="1">
-            <a:off x="3653876" y="3812113"/>
-            <a:ext cx="3970196" cy="283085"/>
-          </a:xfrm>
-          <a:prstGeom prst="line">
-            <a:avLst/>
-          </a:prstGeom>
-          <a:ln>
-            <a:solidFill>
-              <a:schemeClr val="tx1">
-                <a:lumMod val="75000"/>
-                <a:lumOff val="25000"/>
-              </a:schemeClr>
-            </a:solidFill>
-            <a:prstDash val="dash"/>
-          </a:ln>
         </p:spPr>
         <p:style>
           <a:lnRef idx="1">
@@ -5135,8 +5009,8 @@
         </p:nvSpPr>
         <p:spPr>
           <a:xfrm>
-            <a:off x="601522" y="8037991"/>
-            <a:ext cx="1228105" cy="426720"/>
+            <a:off x="372975" y="5290096"/>
+            <a:ext cx="761489" cy="264589"/>
           </a:xfrm>
           <a:prstGeom prst="rect">
             <a:avLst/>
@@ -5167,7 +5041,7 @@
           <a:p>
             <a:pPr algn="ctr"/>
             <a:r>
-              <a:rPr lang="de-DE" sz="1200" dirty="0">
+              <a:rPr lang="de-DE" sz="744" dirty="0">
                 <a:solidFill>
                   <a:schemeClr val="tx1">
                     <a:lumMod val="65000"/>
@@ -5198,8 +5072,8 @@
         </p:nvCxnSpPr>
         <p:spPr>
           <a:xfrm flipV="1">
-            <a:off x="1829627" y="8128000"/>
-            <a:ext cx="979940" cy="123351"/>
+            <a:off x="1134463" y="5345906"/>
+            <a:ext cx="607614" cy="76484"/>
           </a:xfrm>
           <a:prstGeom prst="line">
             <a:avLst/>
@@ -5234,8 +5108,8 @@
         </p:nvSpPr>
         <p:spPr>
           <a:xfrm>
-            <a:off x="8154666" y="7590587"/>
-            <a:ext cx="1228105" cy="426720"/>
+            <a:off x="5056317" y="4974127"/>
+            <a:ext cx="761489" cy="264589"/>
           </a:xfrm>
           <a:prstGeom prst="rect">
             <a:avLst/>
@@ -5266,7 +5140,7 @@
           <a:p>
             <a:pPr algn="ctr"/>
             <a:r>
-              <a:rPr lang="de-DE" sz="1200" dirty="0">
+              <a:rPr lang="de-DE" sz="744" dirty="0">
                 <a:solidFill>
                   <a:schemeClr val="tx1">
                     <a:lumMod val="65000"/>
@@ -5307,8 +5181,8 @@
         </p:blipFill>
         <p:spPr>
           <a:xfrm>
-            <a:off x="9191812" y="167716"/>
-            <a:ext cx="2768484" cy="1096320"/>
+            <a:off x="5699402" y="410115"/>
+            <a:ext cx="1716604" cy="679776"/>
           </a:xfrm>
           <a:prstGeom prst="rect">
             <a:avLst/>
@@ -5333,8 +5207,8 @@
         </p:nvCxnSpPr>
         <p:spPr>
           <a:xfrm flipV="1">
-            <a:off x="4954404" y="6361812"/>
-            <a:ext cx="16997" cy="420397"/>
+            <a:off x="3071988" y="4250778"/>
+            <a:ext cx="10539" cy="260668"/>
           </a:xfrm>
           <a:prstGeom prst="line">
             <a:avLst/>
@@ -5369,8 +5243,8 @@
         </p:nvSpPr>
         <p:spPr>
           <a:xfrm>
-            <a:off x="5014452" y="6407843"/>
-            <a:ext cx="2012126" cy="338554"/>
+            <a:off x="3109221" y="4279319"/>
+            <a:ext cx="1247623" cy="244939"/>
           </a:xfrm>
           <a:prstGeom prst="rect">
             <a:avLst/>
@@ -5384,27 +5258,253 @@
           <a:lstStyle/>
           <a:p>
             <a:r>
-              <a:rPr lang="de-DE" sz="800" b="1" dirty="0"/>
+              <a:rPr lang="de-DE" sz="496" b="1" dirty="0"/>
               <a:t>User</a:t>
             </a:r>
             <a:r>
-              <a:rPr lang="de-DE" sz="800" dirty="0"/>
+              <a:rPr lang="de-DE" sz="496" dirty="0"/>
               <a:t>: </a:t>
             </a:r>
             <a:r>
-              <a:rPr lang="de-DE" sz="800" dirty="0" err="1"/>
+              <a:rPr lang="de-DE" sz="496" dirty="0" err="1"/>
               <a:t>FactoryService</a:t>
             </a:r>
-            <a:endParaRPr lang="de-DE" sz="800" dirty="0"/>
-          </a:p>
-          <a:p>
-            <a:r>
-              <a:rPr lang="de-DE" sz="800" b="1" dirty="0" err="1"/>
+            <a:endParaRPr lang="de-DE" sz="496" dirty="0"/>
+          </a:p>
+          <a:p>
+            <a:r>
+              <a:rPr lang="de-DE" sz="496" b="1" dirty="0" err="1"/>
               <a:t>TransactUsername</a:t>
             </a:r>
             <a:r>
-              <a:rPr lang="de-DE" sz="800" dirty="0"/>
+              <a:rPr lang="de-DE" sz="496" dirty="0"/>
               <a:t>: AD B2C Username </a:t>
+            </a:r>
+          </a:p>
+        </p:txBody>
+      </p:sp>
+      <p:sp>
+        <p:nvSpPr>
+          <p:cNvPr id="54" name="Rechteck 53">
+            <a:extLst>
+              <a:ext uri="{FF2B5EF4-FFF2-40B4-BE49-F238E27FC236}">
+                <a16:creationId xmlns:a16="http://schemas.microsoft.com/office/drawing/2014/main" id="{A70937D2-2AA1-4DB6-AB59-2FAB5D33383E}"/>
+              </a:ext>
+            </a:extLst>
+          </p:cNvPr>
+          <p:cNvSpPr/>
+          <p:nvPr/>
+        </p:nvSpPr>
+        <p:spPr>
+          <a:xfrm>
+            <a:off x="5075373" y="6362290"/>
+            <a:ext cx="761489" cy="264589"/>
+          </a:xfrm>
+          <a:prstGeom prst="rect">
+            <a:avLst/>
+          </a:prstGeom>
+          <a:solidFill>
+            <a:schemeClr val="bg1"/>
+          </a:solidFill>
+        </p:spPr>
+        <p:style>
+          <a:lnRef idx="2">
+            <a:schemeClr val="accent1">
+              <a:shade val="50000"/>
+            </a:schemeClr>
+          </a:lnRef>
+          <a:fillRef idx="1">
+            <a:schemeClr val="accent1"/>
+          </a:fillRef>
+          <a:effectRef idx="0">
+            <a:schemeClr val="accent1"/>
+          </a:effectRef>
+          <a:fontRef idx="minor">
+            <a:schemeClr val="lt1"/>
+          </a:fontRef>
+        </p:style>
+        <p:txBody>
+          <a:bodyPr rtlCol="0" anchor="ctr"/>
+          <a:lstStyle/>
+          <a:p>
+            <a:pPr algn="ctr"/>
+            <a:r>
+              <a:rPr lang="de-DE" sz="744" dirty="0">
+                <a:solidFill>
+                  <a:schemeClr val="tx1">
+                    <a:lumMod val="65000"/>
+                    <a:lumOff val="35000"/>
+                  </a:schemeClr>
+                </a:solidFill>
+              </a:rPr>
+              <a:t>Azure </a:t>
+            </a:r>
+            <a:r>
+              <a:rPr lang="de-DE" sz="744" dirty="0" err="1">
+                <a:solidFill>
+                  <a:schemeClr val="tx1">
+                    <a:lumMod val="65000"/>
+                    <a:lumOff val="35000"/>
+                  </a:schemeClr>
+                </a:solidFill>
+              </a:rPr>
+              <a:t>Runbook</a:t>
+            </a:r>
+            <a:endParaRPr lang="de-DE" sz="744" dirty="0">
+              <a:solidFill>
+                <a:schemeClr val="tx1">
+                  <a:lumMod val="65000"/>
+                  <a:lumOff val="35000"/>
+                </a:schemeClr>
+              </a:solidFill>
+            </a:endParaRPr>
+          </a:p>
+        </p:txBody>
+      </p:sp>
+      <p:cxnSp>
+        <p:nvCxnSpPr>
+          <p:cNvPr id="55" name="Gerader Verbinder 54">
+            <a:extLst>
+              <a:ext uri="{FF2B5EF4-FFF2-40B4-BE49-F238E27FC236}">
+                <a16:creationId xmlns:a16="http://schemas.microsoft.com/office/drawing/2014/main" id="{AFE5B69F-21B0-44DC-8CEF-6E0BD23547CA}"/>
+              </a:ext>
+            </a:extLst>
+          </p:cNvPr>
+          <p:cNvCxnSpPr>
+            <a:cxnSpLocks/>
+            <a:stCxn id="4" idx="4"/>
+            <a:endCxn id="54" idx="1"/>
+          </p:cNvCxnSpPr>
+          <p:nvPr/>
+        </p:nvCxnSpPr>
+        <p:spPr>
+          <a:xfrm>
+            <a:off x="2605778" y="5220752"/>
+            <a:ext cx="2469595" cy="1273833"/>
+          </a:xfrm>
+          <a:prstGeom prst="line">
+            <a:avLst/>
+          </a:prstGeom>
+        </p:spPr>
+        <p:style>
+          <a:lnRef idx="1">
+            <a:schemeClr val="accent1"/>
+          </a:lnRef>
+          <a:fillRef idx="0">
+            <a:schemeClr val="accent1"/>
+          </a:fillRef>
+          <a:effectRef idx="0">
+            <a:schemeClr val="accent1"/>
+          </a:effectRef>
+          <a:fontRef idx="minor">
+            <a:schemeClr val="tx1"/>
+          </a:fontRef>
+        </p:style>
+      </p:cxnSp>
+      <p:sp>
+        <p:nvSpPr>
+          <p:cNvPr id="49" name="Rechteck 48">
+            <a:extLst>
+              <a:ext uri="{FF2B5EF4-FFF2-40B4-BE49-F238E27FC236}">
+                <a16:creationId xmlns:a16="http://schemas.microsoft.com/office/drawing/2014/main" id="{71BAECC2-38B7-4457-97E4-BD222B95460D}"/>
+              </a:ext>
+            </a:extLst>
+          </p:cNvPr>
+          <p:cNvSpPr/>
+          <p:nvPr/>
+        </p:nvSpPr>
+        <p:spPr>
+          <a:xfrm>
+            <a:off x="5056317" y="6711361"/>
+            <a:ext cx="1383712" cy="215444"/>
+          </a:xfrm>
+          <a:prstGeom prst="rect">
+            <a:avLst/>
+          </a:prstGeom>
+        </p:spPr>
+        <p:txBody>
+          <a:bodyPr wrap="none">
+            <a:spAutoFit/>
+          </a:bodyPr>
+          <a:lstStyle/>
+          <a:p>
+            <a:r>
+              <a:rPr lang="de-DE" sz="800" dirty="0">
+                <a:solidFill>
+                  <a:schemeClr val="bg1">
+                    <a:lumMod val="50000"/>
+                  </a:schemeClr>
+                </a:solidFill>
+              </a:rPr>
+              <a:t>User: </a:t>
+            </a:r>
+            <a:r>
+              <a:rPr lang="de-DE" sz="800" dirty="0" err="1">
+                <a:solidFill>
+                  <a:schemeClr val="bg1">
+                    <a:lumMod val="50000"/>
+                  </a:schemeClr>
+                </a:solidFill>
+              </a:rPr>
+              <a:t>sxCustomer_Runbooks</a:t>
+            </a:r>
+            <a:endParaRPr lang="de-DE" sz="800" dirty="0">
+              <a:solidFill>
+                <a:schemeClr val="bg1">
+                  <a:lumMod val="50000"/>
+                </a:schemeClr>
+              </a:solidFill>
+            </a:endParaRPr>
+          </a:p>
+        </p:txBody>
+      </p:sp>
+      <p:sp>
+        <p:nvSpPr>
+          <p:cNvPr id="43" name="Textfeld 42">
+            <a:extLst>
+              <a:ext uri="{FF2B5EF4-FFF2-40B4-BE49-F238E27FC236}">
+                <a16:creationId xmlns:a16="http://schemas.microsoft.com/office/drawing/2014/main" id="{1DD5C58F-3456-4C9F-8268-DBB2B0F664C5}"/>
+              </a:ext>
+            </a:extLst>
+          </p:cNvPr>
+          <p:cNvSpPr txBox="1"/>
+          <p:nvPr/>
+        </p:nvSpPr>
+        <p:spPr>
+          <a:xfrm>
+            <a:off x="3286149" y="5113029"/>
+            <a:ext cx="1247623" cy="244939"/>
+          </a:xfrm>
+          <a:prstGeom prst="rect">
+            <a:avLst/>
+          </a:prstGeom>
+          <a:noFill/>
+        </p:spPr>
+        <p:txBody>
+          <a:bodyPr wrap="square" rtlCol="0">
+            <a:spAutoFit/>
+          </a:bodyPr>
+          <a:lstStyle/>
+          <a:p>
+            <a:r>
+              <a:rPr lang="de-DE" sz="496" b="1" dirty="0"/>
+              <a:t>User = </a:t>
+            </a:r>
+            <a:r>
+              <a:rPr lang="de-DE" sz="496" b="1" dirty="0" err="1"/>
+              <a:t>TransactUsername</a:t>
+            </a:r>
+            <a:r>
+              <a:rPr lang="de-DE" sz="496" b="1" dirty="0"/>
+              <a:t>: </a:t>
+            </a:r>
+            <a:r>
+              <a:rPr lang="de-DE" sz="496" dirty="0" err="1"/>
+              <a:t>Original_Login</a:t>
+            </a:r>
+            <a:r>
+              <a:rPr lang="de-DE" sz="496" dirty="0"/>
+              <a:t> () </a:t>
             </a:r>
           </a:p>
         </p:txBody>
@@ -5453,8 +5553,8 @@
         </p:nvSpPr>
         <p:spPr>
           <a:xfrm>
-            <a:off x="3105236" y="7625710"/>
-            <a:ext cx="1097280" cy="600892"/>
+            <a:off x="1925407" y="5034460"/>
+            <a:ext cx="680371" cy="372584"/>
           </a:xfrm>
           <a:prstGeom prst="flowChartMagneticDisk">
             <a:avLst/>
@@ -5480,12 +5580,12 @@
           </a:fontRef>
         </p:style>
         <p:txBody>
-          <a:bodyPr lIns="36000" tIns="36000" rIns="36000" bIns="36000" rtlCol="0" anchor="ctr"/>
+          <a:bodyPr lIns="22322" tIns="22322" rIns="22322" bIns="22322" rtlCol="0" anchor="ctr"/>
           <a:lstStyle/>
           <a:p>
             <a:pPr algn="ctr"/>
             <a:r>
-              <a:rPr lang="de-DE" sz="1000" dirty="0">
+              <a:rPr lang="de-DE" sz="620" dirty="0">
                 <a:solidFill>
                   <a:schemeClr val="tx1">
                     <a:lumMod val="65000"/>
@@ -5512,8 +5612,8 @@
         </p:nvSpPr>
         <p:spPr>
           <a:xfrm>
-            <a:off x="3105236" y="7116259"/>
-            <a:ext cx="1097280" cy="600892"/>
+            <a:off x="1925407" y="4718574"/>
+            <a:ext cx="680371" cy="372584"/>
           </a:xfrm>
           <a:prstGeom prst="flowChartMagneticDisk">
             <a:avLst/>
@@ -5539,12 +5639,12 @@
           </a:fontRef>
         </p:style>
         <p:txBody>
-          <a:bodyPr lIns="36000" tIns="36000" rIns="36000" bIns="36000" rtlCol="0" anchor="ctr"/>
+          <a:bodyPr lIns="22322" tIns="22322" rIns="22322" bIns="22322" rtlCol="0" anchor="ctr"/>
           <a:lstStyle/>
           <a:p>
             <a:pPr algn="ctr"/>
             <a:r>
-              <a:rPr lang="de-DE" sz="1000" dirty="0">
+              <a:rPr lang="de-DE" sz="620" dirty="0">
                 <a:solidFill>
                   <a:schemeClr val="tx1">
                     <a:lumMod val="65000"/>
@@ -5571,8 +5671,8 @@
         </p:nvSpPr>
         <p:spPr>
           <a:xfrm>
-            <a:off x="2843560" y="5935092"/>
-            <a:ext cx="4255682" cy="426720"/>
+            <a:off x="1763155" y="3986189"/>
+            <a:ext cx="2638744" cy="264589"/>
           </a:xfrm>
           <a:prstGeom prst="rect">
             <a:avLst/>
@@ -5603,7 +5703,7 @@
           <a:p>
             <a:pPr algn="ctr"/>
             <a:r>
-              <a:rPr lang="de-DE" sz="1200" dirty="0">
+              <a:rPr lang="de-DE" sz="744" dirty="0">
                 <a:solidFill>
                   <a:schemeClr val="tx1">
                     <a:lumMod val="65000"/>
@@ -5630,8 +5730,8 @@
         </p:nvSpPr>
         <p:spPr>
           <a:xfrm>
-            <a:off x="2809567" y="6782209"/>
-            <a:ext cx="4289673" cy="2691581"/>
+            <a:off x="1742078" y="4511446"/>
+            <a:ext cx="2659821" cy="1668920"/>
           </a:xfrm>
           <a:prstGeom prst="rect">
             <a:avLst/>
@@ -5659,7 +5759,7 @@
           <a:lstStyle/>
           <a:p>
             <a:pPr algn="ctr"/>
-            <a:endParaRPr lang="de-DE"/>
+            <a:endParaRPr lang="de-DE" sz="716"/>
           </a:p>
         </p:txBody>
       </p:sp>
@@ -5677,8 +5777,8 @@
         </p:nvSpPr>
         <p:spPr>
           <a:xfrm>
-            <a:off x="2744393" y="6563675"/>
-            <a:ext cx="2227008" cy="215444"/>
+            <a:off x="1701666" y="4375943"/>
+            <a:ext cx="1380861" cy="244939"/>
           </a:xfrm>
           <a:prstGeom prst="rect">
             <a:avLst/>
@@ -5692,7 +5792,7 @@
           <a:lstStyle/>
           <a:p>
             <a:r>
-              <a:rPr lang="de-DE" sz="800" dirty="0"/>
+              <a:rPr lang="de-DE" sz="496" dirty="0"/>
               <a:t>DataFactory01-sqlserver.database.windows.net</a:t>
             </a:r>
           </a:p>
@@ -5712,8 +5812,8 @@
         </p:nvSpPr>
         <p:spPr>
           <a:xfrm>
-            <a:off x="2843559" y="5442351"/>
-            <a:ext cx="4255682" cy="426720"/>
+            <a:off x="1763154" y="3680664"/>
+            <a:ext cx="2638744" cy="264589"/>
           </a:xfrm>
           <a:prstGeom prst="rect">
             <a:avLst/>
@@ -5744,7 +5844,7 @@
           <a:p>
             <a:pPr algn="ctr"/>
             <a:r>
-              <a:rPr lang="de-DE" sz="1200" dirty="0">
+              <a:rPr lang="de-DE" sz="744" dirty="0">
                 <a:solidFill>
                   <a:schemeClr val="tx1">
                     <a:lumMod val="65000"/>
@@ -5771,8 +5871,8 @@
         </p:nvSpPr>
         <p:spPr>
           <a:xfrm>
-            <a:off x="2843558" y="4974266"/>
-            <a:ext cx="4255683" cy="426720"/>
+            <a:off x="1763154" y="3390426"/>
+            <a:ext cx="2638745" cy="264589"/>
           </a:xfrm>
           <a:prstGeom prst="rect">
             <a:avLst/>
@@ -5803,7 +5903,7 @@
           <a:p>
             <a:pPr algn="ctr"/>
             <a:r>
-              <a:rPr lang="de-DE" sz="1200" dirty="0">
+              <a:rPr lang="de-DE" sz="744" dirty="0">
                 <a:solidFill>
                   <a:schemeClr val="tx1">
                     <a:lumMod val="65000"/>
@@ -5834,8 +5934,8 @@
         </p:nvCxnSpPr>
         <p:spPr>
           <a:xfrm flipH="1" flipV="1">
-            <a:off x="3857897" y="2392429"/>
-            <a:ext cx="1113503" cy="2581837"/>
+            <a:off x="2392097" y="1789554"/>
+            <a:ext cx="690430" cy="1600873"/>
           </a:xfrm>
           <a:prstGeom prst="line">
             <a:avLst/>
@@ -5870,8 +5970,8 @@
         </p:nvSpPr>
         <p:spPr>
           <a:xfrm>
-            <a:off x="2996134" y="1965709"/>
-            <a:ext cx="1723526" cy="426720"/>
+            <a:off x="1857759" y="1524964"/>
+            <a:ext cx="1068676" cy="264589"/>
           </a:xfrm>
           <a:prstGeom prst="rect">
             <a:avLst/>
@@ -5902,7 +6002,7 @@
           <a:p>
             <a:pPr algn="ctr"/>
             <a:r>
-              <a:rPr lang="de-DE" sz="1200" dirty="0">
+              <a:rPr lang="de-DE" sz="744" dirty="0">
                 <a:solidFill>
                   <a:schemeClr val="tx1">
                     <a:lumMod val="65000"/>
@@ -5929,8 +6029,8 @@
         </p:nvSpPr>
         <p:spPr>
           <a:xfrm>
-            <a:off x="1765506" y="346544"/>
-            <a:ext cx="6947193" cy="369332"/>
+            <a:off x="1094706" y="520998"/>
+            <a:ext cx="4307621" cy="202491"/>
           </a:xfrm>
           <a:prstGeom prst="rect">
             <a:avLst/>
@@ -5945,7 +6045,7 @@
           <a:p>
             <a:pPr algn="ctr"/>
             <a:r>
-              <a:rPr lang="de-DE" dirty="0"/>
+              <a:rPr lang="de-DE" sz="716" dirty="0"/>
               <a:t>Import in DataFactory auf Azure</a:t>
             </a:r>
           </a:p>
@@ -5965,8 +6065,8 @@
         </p:nvSpPr>
         <p:spPr>
           <a:xfrm>
-            <a:off x="293421" y="2059661"/>
-            <a:ext cx="1723526" cy="426720"/>
+            <a:off x="181936" y="1583220"/>
+            <a:ext cx="1068676" cy="264589"/>
           </a:xfrm>
           <a:prstGeom prst="rect">
             <a:avLst/>
@@ -5997,7 +6097,7 @@
           <a:p>
             <a:pPr algn="ctr"/>
             <a:r>
-              <a:rPr lang="de-DE" sz="1200" dirty="0">
+              <a:rPr lang="de-DE" sz="744" dirty="0">
                 <a:solidFill>
                   <a:schemeClr val="tx1">
                     <a:lumMod val="65000"/>
@@ -6028,8 +6128,8 @@
         </p:nvCxnSpPr>
         <p:spPr>
           <a:xfrm flipH="1" flipV="1">
-            <a:off x="1155184" y="2486381"/>
-            <a:ext cx="3816216" cy="2487885"/>
+            <a:off x="716274" y="1847809"/>
+            <a:ext cx="2366253" cy="1542618"/>
           </a:xfrm>
           <a:prstGeom prst="line">
             <a:avLst/>
@@ -6078,8 +6178,8 @@
         </p:blipFill>
         <p:spPr>
           <a:xfrm>
-            <a:off x="9191812" y="167716"/>
-            <a:ext cx="2768484" cy="1096320"/>
+            <a:off x="5699402" y="410115"/>
+            <a:ext cx="1716604" cy="679776"/>
           </a:xfrm>
           <a:prstGeom prst="rect">
             <a:avLst/>
@@ -6100,8 +6200,8 @@
         </p:nvSpPr>
         <p:spPr>
           <a:xfrm>
-            <a:off x="1032110" y="3267848"/>
-            <a:ext cx="1395892" cy="707886"/>
+            <a:off x="639961" y="2332359"/>
+            <a:ext cx="865526" cy="473848"/>
           </a:xfrm>
           <a:prstGeom prst="rect">
             <a:avLst/>
@@ -6115,18 +6215,18 @@
           <a:lstStyle/>
           <a:p>
             <a:r>
-              <a:rPr lang="de-DE" sz="800" dirty="0"/>
+              <a:rPr lang="de-DE" sz="496" dirty="0"/>
               <a:t>Import </a:t>
             </a:r>
             <a:r>
-              <a:rPr lang="de-DE" sz="800" dirty="0" err="1"/>
+              <a:rPr lang="de-DE" sz="496" dirty="0" err="1"/>
               <a:t>Product</a:t>
             </a:r>
-            <a:endParaRPr lang="de-DE" sz="800" dirty="0"/>
-          </a:p>
-          <a:p>
-            <a:r>
-              <a:rPr lang="de-DE" sz="800" dirty="0">
+            <a:endParaRPr lang="de-DE" sz="496" dirty="0"/>
+          </a:p>
+          <a:p>
+            <a:r>
+              <a:rPr lang="de-DE" sz="496" dirty="0">
                 <a:solidFill>
                   <a:schemeClr val="bg1">
                     <a:lumMod val="50000"/>
@@ -6138,7 +6238,7 @@
           </a:p>
           <a:p>
             <a:r>
-              <a:rPr lang="de-DE" sz="800" dirty="0">
+              <a:rPr lang="de-DE" sz="496" dirty="0">
                 <a:solidFill>
                   <a:schemeClr val="bg1">
                     <a:lumMod val="50000"/>
@@ -6149,7 +6249,7 @@
             </a:r>
           </a:p>
           <a:p>
-            <a:endParaRPr lang="de-DE" sz="800" dirty="0"/>
+            <a:endParaRPr lang="de-DE" sz="496" dirty="0"/>
           </a:p>
         </p:txBody>
       </p:sp>

--- a/1c. Working with Azure/AccessAzureOverview.pptx
+++ b/1c. Working with Azure/AccessAzureOverview.pptx
@@ -244,7 +244,7 @@
           <a:p>
             <a:fld id="{84BD7C8B-36D3-466B-917C-BF3CFA95D07A}" type="datetimeFigureOut">
               <a:rPr lang="de-DE" smtClean="0"/>
-              <a:t>21.10.2018</a:t>
+              <a:t>25.10.2018</a:t>
             </a:fld>
             <a:endParaRPr lang="de-DE"/>
           </a:p>
@@ -414,7 +414,7 @@
           <a:p>
             <a:fld id="{84BD7C8B-36D3-466B-917C-BF3CFA95D07A}" type="datetimeFigureOut">
               <a:rPr lang="de-DE" smtClean="0"/>
-              <a:t>21.10.2018</a:t>
+              <a:t>25.10.2018</a:t>
             </a:fld>
             <a:endParaRPr lang="de-DE"/>
           </a:p>
@@ -594,7 +594,7 @@
           <a:p>
             <a:fld id="{84BD7C8B-36D3-466B-917C-BF3CFA95D07A}" type="datetimeFigureOut">
               <a:rPr lang="de-DE" smtClean="0"/>
-              <a:t>21.10.2018</a:t>
+              <a:t>25.10.2018</a:t>
             </a:fld>
             <a:endParaRPr lang="de-DE"/>
           </a:p>
@@ -764,7 +764,7 @@
           <a:p>
             <a:fld id="{84BD7C8B-36D3-466B-917C-BF3CFA95D07A}" type="datetimeFigureOut">
               <a:rPr lang="de-DE" smtClean="0"/>
-              <a:t>21.10.2018</a:t>
+              <a:t>25.10.2018</a:t>
             </a:fld>
             <a:endParaRPr lang="de-DE"/>
           </a:p>
@@ -1008,7 +1008,7 @@
           <a:p>
             <a:fld id="{84BD7C8B-36D3-466B-917C-BF3CFA95D07A}" type="datetimeFigureOut">
               <a:rPr lang="de-DE" smtClean="0"/>
-              <a:t>21.10.2018</a:t>
+              <a:t>25.10.2018</a:t>
             </a:fld>
             <a:endParaRPr lang="de-DE"/>
           </a:p>
@@ -1240,7 +1240,7 @@
           <a:p>
             <a:fld id="{84BD7C8B-36D3-466B-917C-BF3CFA95D07A}" type="datetimeFigureOut">
               <a:rPr lang="de-DE" smtClean="0"/>
-              <a:t>21.10.2018</a:t>
+              <a:t>25.10.2018</a:t>
             </a:fld>
             <a:endParaRPr lang="de-DE"/>
           </a:p>
@@ -1607,7 +1607,7 @@
           <a:p>
             <a:fld id="{84BD7C8B-36D3-466B-917C-BF3CFA95D07A}" type="datetimeFigureOut">
               <a:rPr lang="de-DE" smtClean="0"/>
-              <a:t>21.10.2018</a:t>
+              <a:t>25.10.2018</a:t>
             </a:fld>
             <a:endParaRPr lang="de-DE"/>
           </a:p>
@@ -1725,7 +1725,7 @@
           <a:p>
             <a:fld id="{84BD7C8B-36D3-466B-917C-BF3CFA95D07A}" type="datetimeFigureOut">
               <a:rPr lang="de-DE" smtClean="0"/>
-              <a:t>21.10.2018</a:t>
+              <a:t>25.10.2018</a:t>
             </a:fld>
             <a:endParaRPr lang="de-DE"/>
           </a:p>
@@ -1820,7 +1820,7 @@
           <a:p>
             <a:fld id="{84BD7C8B-36D3-466B-917C-BF3CFA95D07A}" type="datetimeFigureOut">
               <a:rPr lang="de-DE" smtClean="0"/>
-              <a:t>21.10.2018</a:t>
+              <a:t>25.10.2018</a:t>
             </a:fld>
             <a:endParaRPr lang="de-DE"/>
           </a:p>
@@ -2097,7 +2097,7 @@
           <a:p>
             <a:fld id="{84BD7C8B-36D3-466B-917C-BF3CFA95D07A}" type="datetimeFigureOut">
               <a:rPr lang="de-DE" smtClean="0"/>
-              <a:t>21.10.2018</a:t>
+              <a:t>25.10.2018</a:t>
             </a:fld>
             <a:endParaRPr lang="de-DE"/>
           </a:p>
@@ -2354,7 +2354,7 @@
           <a:p>
             <a:fld id="{84BD7C8B-36D3-466B-917C-BF3CFA95D07A}" type="datetimeFigureOut">
               <a:rPr lang="de-DE" smtClean="0"/>
-              <a:t>21.10.2018</a:t>
+              <a:t>25.10.2018</a:t>
             </a:fld>
             <a:endParaRPr lang="de-DE"/>
           </a:p>
@@ -2567,7 +2567,7 @@
           <a:p>
             <a:fld id="{84BD7C8B-36D3-466B-917C-BF3CFA95D07A}" type="datetimeFigureOut">
               <a:rPr lang="de-DE" smtClean="0"/>
-              <a:t>21.10.2018</a:t>
+              <a:t>25.10.2018</a:t>
             </a:fld>
             <a:endParaRPr lang="de-DE"/>
           </a:p>
@@ -4682,8 +4682,8 @@
         </p:nvSpPr>
         <p:spPr>
           <a:xfrm>
-            <a:off x="2421539" y="5594714"/>
-            <a:ext cx="1072670" cy="473848"/>
+            <a:off x="1705057" y="5836321"/>
+            <a:ext cx="2351214" cy="321242"/>
           </a:xfrm>
           <a:prstGeom prst="rect">
             <a:avLst/>
@@ -4716,70 +4716,83 @@
           </a:p>
           <a:p>
             <a:r>
-              <a:rPr lang="de-DE" sz="496" dirty="0">
-                <a:solidFill>
-                  <a:schemeClr val="bg1">
-                    <a:lumMod val="50000"/>
-                  </a:schemeClr>
-                </a:solidFill>
-              </a:rPr>
+              <a:rPr lang="de-DE" sz="496" dirty="0"/>
               <a:t>Right Check </a:t>
             </a:r>
             <a:r>
-              <a:rPr lang="de-DE" sz="496" dirty="0" err="1">
-                <a:solidFill>
-                  <a:schemeClr val="bg1">
-                    <a:lumMod val="50000"/>
-                  </a:schemeClr>
-                </a:solidFill>
-              </a:rPr>
-              <a:t>with</a:t>
-            </a:r>
-            <a:r>
-              <a:rPr lang="de-DE" sz="496" dirty="0">
-                <a:solidFill>
-                  <a:schemeClr val="bg1">
-                    <a:lumMod val="50000"/>
-                  </a:schemeClr>
-                </a:solidFill>
-              </a:rPr>
-              <a:t> INNER JOIN </a:t>
-            </a:r>
-            <a:r>
-              <a:rPr lang="de-DE" sz="496" dirty="0" err="1">
-                <a:solidFill>
-                  <a:schemeClr val="bg1">
-                    <a:lumMod val="50000"/>
-                  </a:schemeClr>
-                </a:solidFill>
-              </a:rPr>
+              <a:rPr lang="de-DE" sz="496" dirty="0" err="1"/>
+              <a:t>Stored</a:t>
+            </a:r>
+            <a:r>
+              <a:rPr lang="de-DE" sz="496" dirty="0"/>
+              <a:t> </a:t>
+            </a:r>
+            <a:r>
+              <a:rPr lang="de-DE" sz="496" dirty="0" err="1"/>
+              <a:t>Procedure</a:t>
+            </a:r>
+            <a:r>
+              <a:rPr lang="de-DE" sz="496" dirty="0"/>
+              <a:t>:  </a:t>
+            </a:r>
+            <a:r>
+              <a:rPr lang="de-DE" sz="496" dirty="0" err="1"/>
+              <a:t>Join</a:t>
+            </a:r>
+            <a:r>
+              <a:rPr lang="de-DE" sz="496" dirty="0"/>
+              <a:t> </a:t>
+            </a:r>
+            <a:r>
+              <a:rPr lang="de-DE" sz="496" dirty="0" err="1"/>
               <a:t>sx_pf_vUserRights</a:t>
             </a:r>
             <a:r>
-              <a:rPr lang="de-DE" sz="496" dirty="0">
-                <a:solidFill>
-                  <a:schemeClr val="bg1">
-                    <a:lumMod val="50000"/>
-                  </a:schemeClr>
-                </a:solidFill>
-              </a:rPr>
+              <a:rPr lang="de-DE" sz="496" dirty="0"/>
               <a:t> </a:t>
             </a:r>
             <a:r>
-              <a:rPr lang="de-DE" sz="496" dirty="0" err="1">
-                <a:solidFill>
-                  <a:srgbClr val="FF0000"/>
-                </a:solidFill>
-              </a:rPr>
+              <a:rPr lang="de-DE" sz="496" dirty="0" err="1"/>
               <a:t>over</a:t>
             </a:r>
             <a:r>
-              <a:rPr lang="de-DE" sz="496" dirty="0">
-                <a:solidFill>
-                  <a:srgbClr val="FF0000"/>
-                </a:solidFill>
-              </a:rPr>
-              <a:t> ORIGINAL_LOGIN() ?</a:t>
+              <a:rPr lang="de-DE" sz="496" dirty="0"/>
+              <a:t> @</a:t>
+            </a:r>
+            <a:r>
+              <a:rPr lang="de-DE" sz="496" dirty="0" err="1"/>
+              <a:t>Transactusername</a:t>
+            </a:r>
+            <a:endParaRPr lang="de-DE" sz="496" dirty="0"/>
+          </a:p>
+          <a:p>
+            <a:r>
+              <a:rPr lang="de-DE" sz="496" dirty="0"/>
+              <a:t>Right Check View: </a:t>
+            </a:r>
+            <a:r>
+              <a:rPr lang="de-DE" sz="496" dirty="0" err="1"/>
+              <a:t>Join</a:t>
+            </a:r>
+            <a:r>
+              <a:rPr lang="de-DE" sz="496" dirty="0"/>
+              <a:t> </a:t>
+            </a:r>
+            <a:r>
+              <a:rPr lang="de-DE" sz="496" dirty="0" err="1"/>
+              <a:t>sx_pf_vUserRights</a:t>
+            </a:r>
+            <a:r>
+              <a:rPr lang="de-DE" sz="496" dirty="0"/>
+              <a:t> </a:t>
+            </a:r>
+            <a:r>
+              <a:rPr lang="de-DE" sz="496" dirty="0" err="1"/>
+              <a:t>over</a:t>
+            </a:r>
+            <a:r>
+              <a:rPr lang="de-DE" sz="496" dirty="0"/>
+              <a:t> RIGINAL_LOGIN()</a:t>
             </a:r>
           </a:p>
         </p:txBody>
@@ -5372,14 +5385,12 @@
           </p:cNvPr>
           <p:cNvCxnSpPr>
             <a:cxnSpLocks/>
-            <a:stCxn id="4" idx="4"/>
-            <a:endCxn id="54" idx="1"/>
           </p:cNvCxnSpPr>
           <p:nvPr/>
         </p:nvCxnSpPr>
         <p:spPr>
           <a:xfrm>
-            <a:off x="2605778" y="5220752"/>
+            <a:off x="2552093" y="5227751"/>
             <a:ext cx="2469595" cy="1273833"/>
           </a:xfrm>
           <a:prstGeom prst="line">
